--- a/Project 4/NeuralNet_report.pptx
+++ b/Project 4/NeuralNet_report.pptx
@@ -324,7 +324,7 @@
           <a:p>
             <a:fld id="{67341EB0-0461-CD43-85FB-D0CB82766506}" type="datetimeFigureOut">
               <a:rPr lang="en-US" smtClean="0"/>
-              <a:t>11/7/2022</a:t>
+              <a:t>11/27/2023</a:t>
             </a:fld>
             <a:endParaRPr lang="en-US"/>
           </a:p>
@@ -522,7 +522,7 @@
           <a:p>
             <a:fld id="{67341EB0-0461-CD43-85FB-D0CB82766506}" type="datetimeFigureOut">
               <a:rPr lang="en-US" smtClean="0"/>
-              <a:t>11/7/2022</a:t>
+              <a:t>11/27/2023</a:t>
             </a:fld>
             <a:endParaRPr lang="en-US"/>
           </a:p>
@@ -730,7 +730,7 @@
           <a:p>
             <a:fld id="{67341EB0-0461-CD43-85FB-D0CB82766506}" type="datetimeFigureOut">
               <a:rPr lang="en-US" smtClean="0"/>
-              <a:t>11/7/2022</a:t>
+              <a:t>11/27/2023</a:t>
             </a:fld>
             <a:endParaRPr lang="en-US"/>
           </a:p>
@@ -928,7 +928,7 @@
           <a:p>
             <a:fld id="{67341EB0-0461-CD43-85FB-D0CB82766506}" type="datetimeFigureOut">
               <a:rPr lang="en-US" smtClean="0"/>
-              <a:t>11/7/2022</a:t>
+              <a:t>11/27/2023</a:t>
             </a:fld>
             <a:endParaRPr lang="en-US"/>
           </a:p>
@@ -1203,7 +1203,7 @@
           <a:p>
             <a:fld id="{67341EB0-0461-CD43-85FB-D0CB82766506}" type="datetimeFigureOut">
               <a:rPr lang="en-US" smtClean="0"/>
-              <a:t>11/7/2022</a:t>
+              <a:t>11/27/2023</a:t>
             </a:fld>
             <a:endParaRPr lang="en-US"/>
           </a:p>
@@ -1468,7 +1468,7 @@
           <a:p>
             <a:fld id="{67341EB0-0461-CD43-85FB-D0CB82766506}" type="datetimeFigureOut">
               <a:rPr lang="en-US" smtClean="0"/>
-              <a:t>11/7/2022</a:t>
+              <a:t>11/27/2023</a:t>
             </a:fld>
             <a:endParaRPr lang="en-US"/>
           </a:p>
@@ -1880,7 +1880,7 @@
           <a:p>
             <a:fld id="{67341EB0-0461-CD43-85FB-D0CB82766506}" type="datetimeFigureOut">
               <a:rPr lang="en-US" smtClean="0"/>
-              <a:t>11/7/2022</a:t>
+              <a:t>11/27/2023</a:t>
             </a:fld>
             <a:endParaRPr lang="en-US"/>
           </a:p>
@@ -2021,7 +2021,7 @@
           <a:p>
             <a:fld id="{67341EB0-0461-CD43-85FB-D0CB82766506}" type="datetimeFigureOut">
               <a:rPr lang="en-US" smtClean="0"/>
-              <a:t>11/7/2022</a:t>
+              <a:t>11/27/2023</a:t>
             </a:fld>
             <a:endParaRPr lang="en-US"/>
           </a:p>
@@ -2134,7 +2134,7 @@
           <a:p>
             <a:fld id="{67341EB0-0461-CD43-85FB-D0CB82766506}" type="datetimeFigureOut">
               <a:rPr lang="en-US" smtClean="0"/>
-              <a:t>11/7/2022</a:t>
+              <a:t>11/27/2023</a:t>
             </a:fld>
             <a:endParaRPr lang="en-US"/>
           </a:p>
@@ -2445,7 +2445,7 @@
           <a:p>
             <a:fld id="{67341EB0-0461-CD43-85FB-D0CB82766506}" type="datetimeFigureOut">
               <a:rPr lang="en-US" smtClean="0"/>
-              <a:t>11/7/2022</a:t>
+              <a:t>11/27/2023</a:t>
             </a:fld>
             <a:endParaRPr lang="en-US"/>
           </a:p>
@@ -2733,7 +2733,7 @@
           <a:p>
             <a:fld id="{67341EB0-0461-CD43-85FB-D0CB82766506}" type="datetimeFigureOut">
               <a:rPr lang="en-US" smtClean="0"/>
-              <a:t>11/7/2022</a:t>
+              <a:t>11/27/2023</a:t>
             </a:fld>
             <a:endParaRPr lang="en-US"/>
           </a:p>
@@ -2974,7 +2974,7 @@
           <a:p>
             <a:fld id="{67341EB0-0461-CD43-85FB-D0CB82766506}" type="datetimeFigureOut">
               <a:rPr lang="en-US" smtClean="0"/>
-              <a:t>11/7/2022</a:t>
+              <a:t>11/27/2023</a:t>
             </a:fld>
             <a:endParaRPr lang="en-US"/>
           </a:p>
@@ -3442,13 +3442,13 @@
           <a:p>
             <a:r>
               <a:rPr lang="en-US" dirty="0"/>
-              <a:t>Your Name: _________</a:t>
+              <a:t>Your Name: Lucas Luwa</a:t>
             </a:r>
           </a:p>
           <a:p>
             <a:r>
               <a:rPr lang="en-US" dirty="0"/>
-              <a:t>Your GT Username: ________________</a:t>
+              <a:t>Your GT Username: lluwa3</a:t>
             </a:r>
           </a:p>
           <a:p>
@@ -4102,21 +4102,26 @@
             <a:pPr lvl="1"/>
             <a:r>
               <a:rPr lang="en-US" dirty="0"/>
-              <a:t>Max accuracy: _______</a:t>
+              <a:t>Max accuracy: 0.9102344196683819</a:t>
             </a:r>
           </a:p>
           <a:p>
             <a:pPr lvl="1"/>
             <a:r>
               <a:rPr lang="en-US" dirty="0"/>
-              <a:t>Average accuracy: _______</a:t>
-            </a:r>
+              <a:t>Average accuracy</a:t>
+            </a:r>
+            <a:r>
+              <a:rPr lang="en-US"/>
+              <a:t>: 0.8999428244711263</a:t>
+            </a:r>
+            <a:endParaRPr lang="en-US" dirty="0"/>
           </a:p>
           <a:p>
             <a:pPr lvl="1"/>
             <a:r>
               <a:rPr lang="en-US" dirty="0"/>
-              <a:t>Standard deviation: ________</a:t>
+              <a:t>Standard deviation: 0.008338615247097609</a:t>
             </a:r>
           </a:p>
           <a:p>
@@ -4140,21 +4145,21 @@
             <a:pPr lvl="1"/>
             <a:r>
               <a:rPr lang="en-US" dirty="0"/>
-              <a:t>Max accuracy: _______</a:t>
+              <a:t>Max accuracy: 0.995</a:t>
             </a:r>
           </a:p>
           <a:p>
             <a:pPr lvl="1"/>
             <a:r>
               <a:rPr lang="en-US" dirty="0"/>
-              <a:t>Average accuracy: ________</a:t>
+              <a:t>Average accuracy: 0.985</a:t>
             </a:r>
           </a:p>
           <a:p>
             <a:pPr lvl="1"/>
             <a:r>
               <a:rPr lang="en-US" dirty="0"/>
-              <a:t>Standard deviation: ________</a:t>
+              <a:t>Standard deviation: 0.008944271909999166</a:t>
             </a:r>
           </a:p>
         </p:txBody>
@@ -4281,7 +4286,7 @@
           <p:nvPr>
             <p:extLst>
               <p:ext uri="{D42A27DB-BD31-4B8C-83A1-F6EECF244321}">
-                <p14:modId xmlns:p14="http://schemas.microsoft.com/office/powerpoint/2010/main" val="3498915458"/>
+                <p14:modId xmlns:p14="http://schemas.microsoft.com/office/powerpoint/2010/main" val="3210640947"/>
               </p:ext>
             </p:extLst>
           </p:nvPr>
@@ -4650,95 +4655,122 @@
                     <a:lstStyle/>
                     <a:p>
                       <a:pPr algn="ctr"/>
-                      <a:endParaRPr lang="en-US" dirty="0"/>
-                    </a:p>
-                  </a:txBody>
-                  <a:tcPr/>
-                </a:tc>
-                <a:tc>
-                  <a:txBody>
-                    <a:bodyPr/>
-                    <a:lstStyle/>
-                    <a:p>
-                      <a:pPr algn="ctr"/>
-                      <a:endParaRPr lang="en-US" dirty="0"/>
-                    </a:p>
-                  </a:txBody>
-                  <a:tcPr/>
-                </a:tc>
-                <a:tc>
-                  <a:txBody>
-                    <a:bodyPr/>
-                    <a:lstStyle/>
-                    <a:p>
-                      <a:pPr algn="ctr"/>
-                      <a:endParaRPr lang="en-US" dirty="0"/>
-                    </a:p>
-                  </a:txBody>
-                  <a:tcPr/>
-                </a:tc>
-                <a:tc>
-                  <a:txBody>
-                    <a:bodyPr/>
-                    <a:lstStyle/>
-                    <a:p>
-                      <a:pPr algn="ctr"/>
-                      <a:endParaRPr lang="en-US" dirty="0"/>
-                    </a:p>
-                  </a:txBody>
-                  <a:tcPr/>
-                </a:tc>
-                <a:tc>
-                  <a:txBody>
-                    <a:bodyPr/>
-                    <a:lstStyle/>
-                    <a:p>
-                      <a:pPr algn="ctr"/>
-                      <a:endParaRPr lang="en-US" dirty="0"/>
-                    </a:p>
-                  </a:txBody>
-                  <a:tcPr/>
-                </a:tc>
-                <a:tc>
-                  <a:txBody>
-                    <a:bodyPr/>
-                    <a:lstStyle/>
-                    <a:p>
-                      <a:pPr algn="ctr"/>
-                      <a:endParaRPr lang="en-US" dirty="0"/>
-                    </a:p>
-                  </a:txBody>
-                  <a:tcPr/>
-                </a:tc>
-                <a:tc>
-                  <a:txBody>
-                    <a:bodyPr/>
-                    <a:lstStyle/>
-                    <a:p>
-                      <a:pPr algn="ctr"/>
-                      <a:endParaRPr lang="en-US" dirty="0"/>
-                    </a:p>
-                  </a:txBody>
-                  <a:tcPr/>
-                </a:tc>
-                <a:tc>
-                  <a:txBody>
-                    <a:bodyPr/>
-                    <a:lstStyle/>
-                    <a:p>
-                      <a:pPr algn="ctr"/>
-                      <a:endParaRPr lang="en-US"/>
-                    </a:p>
-                  </a:txBody>
-                  <a:tcPr/>
-                </a:tc>
-                <a:tc>
-                  <a:txBody>
-                    <a:bodyPr/>
-                    <a:lstStyle/>
-                    <a:p>
-                      <a:pPr algn="ctr"/>
-                      <a:endParaRPr lang="en-US"/>
+                      <a:r>
+                        <a:rPr lang="en-US" dirty="0"/>
+                        <a:t>0.0</a:t>
+                      </a:r>
+                    </a:p>
+                  </a:txBody>
+                  <a:tcPr/>
+                </a:tc>
+                <a:tc>
+                  <a:txBody>
+                    <a:bodyPr/>
+                    <a:lstStyle/>
+                    <a:p>
+                      <a:pPr algn="ctr"/>
+                      <a:r>
+                        <a:rPr lang="en-US" dirty="0"/>
+                        <a:t>0.8525</a:t>
+                      </a:r>
+                    </a:p>
+                  </a:txBody>
+                  <a:tcPr/>
+                </a:tc>
+                <a:tc>
+                  <a:txBody>
+                    <a:bodyPr/>
+                    <a:lstStyle/>
+                    <a:p>
+                      <a:pPr algn="ctr"/>
+                      <a:r>
+                        <a:rPr lang="en-US" dirty="0"/>
+                        <a:t>0.8991</a:t>
+                      </a:r>
+                    </a:p>
+                  </a:txBody>
+                  <a:tcPr/>
+                </a:tc>
+                <a:tc>
+                  <a:txBody>
+                    <a:bodyPr/>
+                    <a:lstStyle/>
+                    <a:p>
+                      <a:pPr algn="ctr"/>
+                      <a:r>
+                        <a:rPr lang="en-US" dirty="0"/>
+                        <a:t>0.9097</a:t>
+                      </a:r>
+                    </a:p>
+                  </a:txBody>
+                  <a:tcPr/>
+                </a:tc>
+                <a:tc>
+                  <a:txBody>
+                    <a:bodyPr/>
+                    <a:lstStyle/>
+                    <a:p>
+                      <a:pPr algn="ctr"/>
+                      <a:r>
+                        <a:rPr lang="en-US" dirty="0"/>
+                        <a:t>0.9091</a:t>
+                      </a:r>
+                    </a:p>
+                  </a:txBody>
+                  <a:tcPr/>
+                </a:tc>
+                <a:tc>
+                  <a:txBody>
+                    <a:bodyPr/>
+                    <a:lstStyle/>
+                    <a:p>
+                      <a:pPr algn="ctr"/>
+                      <a:r>
+                        <a:rPr lang="en-US" dirty="0"/>
+                        <a:t>0.9097</a:t>
+                      </a:r>
+                    </a:p>
+                  </a:txBody>
+                  <a:tcPr/>
+                </a:tc>
+                <a:tc>
+                  <a:txBody>
+                    <a:bodyPr/>
+                    <a:lstStyle/>
+                    <a:p>
+                      <a:pPr algn="ctr"/>
+                      <a:r>
+                        <a:rPr lang="en-US" dirty="0"/>
+                        <a:t>0.9054</a:t>
+                      </a:r>
+                    </a:p>
+                  </a:txBody>
+                  <a:tcPr/>
+                </a:tc>
+                <a:tc>
+                  <a:txBody>
+                    <a:bodyPr/>
+                    <a:lstStyle/>
+                    <a:p>
+                      <a:pPr algn="ctr"/>
+                      <a:r>
+                        <a:rPr lang="en-US" dirty="0"/>
+                        <a:t>0.9045</a:t>
+                      </a:r>
+                    </a:p>
+                  </a:txBody>
+                  <a:tcPr/>
+                </a:tc>
+                <a:tc>
+                  <a:txBody>
+                    <a:bodyPr/>
+                    <a:lstStyle/>
+                    <a:p>
+                      <a:pPr algn="ctr"/>
+                      <a:r>
+                        <a:rPr lang="en-US" dirty="0"/>
+                        <a:t>0.9039</a:t>
+                      </a:r>
                     </a:p>
                   </a:txBody>
                   <a:tcPr/>
@@ -4769,95 +4801,122 @@
                     <a:lstStyle/>
                     <a:p>
                       <a:pPr algn="ctr"/>
-                      <a:endParaRPr lang="en-US"/>
-                    </a:p>
-                  </a:txBody>
-                  <a:tcPr/>
-                </a:tc>
-                <a:tc>
-                  <a:txBody>
-                    <a:bodyPr/>
-                    <a:lstStyle/>
-                    <a:p>
-                      <a:pPr algn="ctr"/>
-                      <a:endParaRPr lang="en-US"/>
-                    </a:p>
-                  </a:txBody>
-                  <a:tcPr/>
-                </a:tc>
-                <a:tc>
-                  <a:txBody>
-                    <a:bodyPr/>
-                    <a:lstStyle/>
-                    <a:p>
-                      <a:pPr algn="ctr"/>
-                      <a:endParaRPr lang="en-US" dirty="0"/>
-                    </a:p>
-                  </a:txBody>
-                  <a:tcPr/>
-                </a:tc>
-                <a:tc>
-                  <a:txBody>
-                    <a:bodyPr/>
-                    <a:lstStyle/>
-                    <a:p>
-                      <a:pPr algn="ctr"/>
-                      <a:endParaRPr lang="en-US" dirty="0"/>
-                    </a:p>
-                  </a:txBody>
-                  <a:tcPr/>
-                </a:tc>
-                <a:tc>
-                  <a:txBody>
-                    <a:bodyPr/>
-                    <a:lstStyle/>
-                    <a:p>
-                      <a:pPr algn="ctr"/>
-                      <a:endParaRPr lang="en-US" dirty="0"/>
-                    </a:p>
-                  </a:txBody>
-                  <a:tcPr/>
-                </a:tc>
-                <a:tc>
-                  <a:txBody>
-                    <a:bodyPr/>
-                    <a:lstStyle/>
-                    <a:p>
-                      <a:pPr algn="ctr"/>
-                      <a:endParaRPr lang="en-US" dirty="0"/>
-                    </a:p>
-                  </a:txBody>
-                  <a:tcPr/>
-                </a:tc>
-                <a:tc>
-                  <a:txBody>
-                    <a:bodyPr/>
-                    <a:lstStyle/>
-                    <a:p>
-                      <a:pPr algn="ctr"/>
-                      <a:endParaRPr lang="en-US" dirty="0"/>
-                    </a:p>
-                  </a:txBody>
-                  <a:tcPr/>
-                </a:tc>
-                <a:tc>
-                  <a:txBody>
-                    <a:bodyPr/>
-                    <a:lstStyle/>
-                    <a:p>
-                      <a:pPr algn="ctr"/>
-                      <a:endParaRPr lang="en-US" dirty="0"/>
-                    </a:p>
-                  </a:txBody>
-                  <a:tcPr/>
-                </a:tc>
-                <a:tc>
-                  <a:txBody>
-                    <a:bodyPr/>
-                    <a:lstStyle/>
-                    <a:p>
-                      <a:pPr algn="ctr"/>
-                      <a:endParaRPr lang="en-US"/>
+                      <a:r>
+                        <a:rPr lang="en-US" dirty="0"/>
+                        <a:t>0.0</a:t>
+                      </a:r>
+                    </a:p>
+                  </a:txBody>
+                  <a:tcPr/>
+                </a:tc>
+                <a:tc>
+                  <a:txBody>
+                    <a:bodyPr/>
+                    <a:lstStyle/>
+                    <a:p>
+                      <a:pPr algn="ctr"/>
+                      <a:r>
+                        <a:rPr lang="en-US" dirty="0"/>
+                        <a:t>0.8440</a:t>
+                      </a:r>
+                    </a:p>
+                  </a:txBody>
+                  <a:tcPr/>
+                </a:tc>
+                <a:tc>
+                  <a:txBody>
+                    <a:bodyPr/>
+                    <a:lstStyle/>
+                    <a:p>
+                      <a:pPr algn="ctr"/>
+                      <a:r>
+                        <a:rPr lang="en-US" dirty="0"/>
+                        <a:t>0.8915</a:t>
+                      </a:r>
+                    </a:p>
+                  </a:txBody>
+                  <a:tcPr/>
+                </a:tc>
+                <a:tc>
+                  <a:txBody>
+                    <a:bodyPr/>
+                    <a:lstStyle/>
+                    <a:p>
+                      <a:pPr algn="ctr"/>
+                      <a:r>
+                        <a:rPr lang="en-US" dirty="0"/>
+                        <a:t>0.9017</a:t>
+                      </a:r>
+                    </a:p>
+                  </a:txBody>
+                  <a:tcPr/>
+                </a:tc>
+                <a:tc>
+                  <a:txBody>
+                    <a:bodyPr/>
+                    <a:lstStyle/>
+                    <a:p>
+                      <a:pPr algn="ctr"/>
+                      <a:r>
+                        <a:rPr lang="en-US" dirty="0"/>
+                        <a:t>0.9071</a:t>
+                      </a:r>
+                    </a:p>
+                  </a:txBody>
+                  <a:tcPr/>
+                </a:tc>
+                <a:tc>
+                  <a:txBody>
+                    <a:bodyPr/>
+                    <a:lstStyle/>
+                    <a:p>
+                      <a:pPr algn="ctr"/>
+                      <a:r>
+                        <a:rPr lang="en-US" dirty="0"/>
+                        <a:t>0.9058</a:t>
+                      </a:r>
+                    </a:p>
+                  </a:txBody>
+                  <a:tcPr/>
+                </a:tc>
+                <a:tc>
+                  <a:txBody>
+                    <a:bodyPr/>
+                    <a:lstStyle/>
+                    <a:p>
+                      <a:pPr algn="ctr"/>
+                      <a:r>
+                        <a:rPr lang="en-US" dirty="0"/>
+                        <a:t>0.9002</a:t>
+                      </a:r>
+                    </a:p>
+                  </a:txBody>
+                  <a:tcPr/>
+                </a:tc>
+                <a:tc>
+                  <a:txBody>
+                    <a:bodyPr/>
+                    <a:lstStyle/>
+                    <a:p>
+                      <a:pPr algn="ctr"/>
+                      <a:r>
+                        <a:rPr lang="en-US" dirty="0"/>
+                        <a:t>0.9034</a:t>
+                      </a:r>
+                    </a:p>
+                  </a:txBody>
+                  <a:tcPr/>
+                </a:tc>
+                <a:tc>
+                  <a:txBody>
+                    <a:bodyPr/>
+                    <a:lstStyle/>
+                    <a:p>
+                      <a:pPr algn="ctr"/>
+                      <a:r>
+                        <a:rPr lang="en-US" dirty="0"/>
+                        <a:t>0.9003</a:t>
+                      </a:r>
                     </a:p>
                   </a:txBody>
                   <a:tcPr/>
@@ -4888,95 +4947,122 @@
                     <a:lstStyle/>
                     <a:p>
                       <a:pPr algn="ctr"/>
-                      <a:endParaRPr lang="en-US"/>
-                    </a:p>
-                  </a:txBody>
-                  <a:tcPr/>
-                </a:tc>
-                <a:tc>
-                  <a:txBody>
-                    <a:bodyPr/>
-                    <a:lstStyle/>
-                    <a:p>
-                      <a:pPr algn="ctr"/>
-                      <a:endParaRPr lang="en-US"/>
-                    </a:p>
-                  </a:txBody>
-                  <a:tcPr/>
-                </a:tc>
-                <a:tc>
-                  <a:txBody>
-                    <a:bodyPr/>
-                    <a:lstStyle/>
-                    <a:p>
-                      <a:pPr algn="ctr"/>
-                      <a:endParaRPr lang="en-US"/>
-                    </a:p>
-                  </a:txBody>
-                  <a:tcPr/>
-                </a:tc>
-                <a:tc>
-                  <a:txBody>
-                    <a:bodyPr/>
-                    <a:lstStyle/>
-                    <a:p>
-                      <a:pPr algn="ctr"/>
-                      <a:endParaRPr lang="en-US"/>
-                    </a:p>
-                  </a:txBody>
-                  <a:tcPr/>
-                </a:tc>
-                <a:tc>
-                  <a:txBody>
-                    <a:bodyPr/>
-                    <a:lstStyle/>
-                    <a:p>
-                      <a:pPr algn="ctr"/>
-                      <a:endParaRPr lang="en-US" dirty="0"/>
-                    </a:p>
-                  </a:txBody>
-                  <a:tcPr/>
-                </a:tc>
-                <a:tc>
-                  <a:txBody>
-                    <a:bodyPr/>
-                    <a:lstStyle/>
-                    <a:p>
-                      <a:pPr algn="ctr"/>
-                      <a:endParaRPr lang="en-US" dirty="0"/>
-                    </a:p>
-                  </a:txBody>
-                  <a:tcPr/>
-                </a:tc>
-                <a:tc>
-                  <a:txBody>
-                    <a:bodyPr/>
-                    <a:lstStyle/>
-                    <a:p>
-                      <a:pPr algn="ctr"/>
-                      <a:endParaRPr lang="en-US" dirty="0"/>
-                    </a:p>
-                  </a:txBody>
-                  <a:tcPr/>
-                </a:tc>
-                <a:tc>
-                  <a:txBody>
-                    <a:bodyPr/>
-                    <a:lstStyle/>
-                    <a:p>
-                      <a:pPr algn="ctr"/>
-                      <a:endParaRPr lang="en-US" dirty="0"/>
-                    </a:p>
-                  </a:txBody>
-                  <a:tcPr/>
-                </a:tc>
-                <a:tc>
-                  <a:txBody>
-                    <a:bodyPr/>
-                    <a:lstStyle/>
-                    <a:p>
-                      <a:pPr algn="ctr"/>
-                      <a:endParaRPr lang="en-US" dirty="0"/>
+                      <a:r>
+                        <a:rPr lang="en-US" dirty="0"/>
+                        <a:t>0.0</a:t>
+                      </a:r>
+                    </a:p>
+                  </a:txBody>
+                  <a:tcPr/>
+                </a:tc>
+                <a:tc>
+                  <a:txBody>
+                    <a:bodyPr/>
+                    <a:lstStyle/>
+                    <a:p>
+                      <a:pPr algn="ctr"/>
+                      <a:r>
+                        <a:rPr lang="en-US" dirty="0"/>
+                        <a:t>0.0065</a:t>
+                      </a:r>
+                    </a:p>
+                  </a:txBody>
+                  <a:tcPr/>
+                </a:tc>
+                <a:tc>
+                  <a:txBody>
+                    <a:bodyPr/>
+                    <a:lstStyle/>
+                    <a:p>
+                      <a:pPr algn="ctr"/>
+                      <a:r>
+                        <a:rPr lang="en-US" dirty="0"/>
+                        <a:t>0.0060</a:t>
+                      </a:r>
+                    </a:p>
+                  </a:txBody>
+                  <a:tcPr/>
+                </a:tc>
+                <a:tc>
+                  <a:txBody>
+                    <a:bodyPr/>
+                    <a:lstStyle/>
+                    <a:p>
+                      <a:pPr algn="ctr"/>
+                      <a:r>
+                        <a:rPr lang="en-US" dirty="0"/>
+                        <a:t>0.0065</a:t>
+                      </a:r>
+                    </a:p>
+                  </a:txBody>
+                  <a:tcPr/>
+                </a:tc>
+                <a:tc>
+                  <a:txBody>
+                    <a:bodyPr/>
+                    <a:lstStyle/>
+                    <a:p>
+                      <a:pPr algn="ctr"/>
+                      <a:r>
+                        <a:rPr lang="en-US" dirty="0"/>
+                        <a:t>0.0013</a:t>
+                      </a:r>
+                    </a:p>
+                  </a:txBody>
+                  <a:tcPr/>
+                </a:tc>
+                <a:tc>
+                  <a:txBody>
+                    <a:bodyPr/>
+                    <a:lstStyle/>
+                    <a:p>
+                      <a:pPr algn="ctr"/>
+                      <a:r>
+                        <a:rPr lang="en-US" dirty="0"/>
+                        <a:t>0.0027</a:t>
+                      </a:r>
+                    </a:p>
+                  </a:txBody>
+                  <a:tcPr/>
+                </a:tc>
+                <a:tc>
+                  <a:txBody>
+                    <a:bodyPr/>
+                    <a:lstStyle/>
+                    <a:p>
+                      <a:pPr algn="ctr"/>
+                      <a:r>
+                        <a:rPr lang="en-US" dirty="0"/>
+                        <a:t>0.0074</a:t>
+                      </a:r>
+                    </a:p>
+                  </a:txBody>
+                  <a:tcPr/>
+                </a:tc>
+                <a:tc>
+                  <a:txBody>
+                    <a:bodyPr/>
+                    <a:lstStyle/>
+                    <a:p>
+                      <a:pPr algn="ctr"/>
+                      <a:r>
+                        <a:rPr lang="en-US" dirty="0"/>
+                        <a:t>0.0008</a:t>
+                      </a:r>
+                    </a:p>
+                  </a:txBody>
+                  <a:tcPr/>
+                </a:tc>
+                <a:tc>
+                  <a:txBody>
+                    <a:bodyPr/>
+                    <a:lstStyle/>
+                    <a:p>
+                      <a:pPr algn="ctr"/>
+                      <a:r>
+                        <a:rPr lang="en-US" dirty="0"/>
+                        <a:t>0.0022</a:t>
+                      </a:r>
                     </a:p>
                   </a:txBody>
                   <a:tcPr/>
@@ -5119,6 +5205,36 @@
           </a:p>
         </p:txBody>
       </p:sp>
+      <p:pic>
+        <p:nvPicPr>
+          <p:cNvPr id="5" name="Picture 4" descr="A graph with a line&#10;&#10;Description automatically generated">
+            <a:extLst>
+              <a:ext uri="{FF2B5EF4-FFF2-40B4-BE49-F238E27FC236}">
+                <a16:creationId xmlns:a16="http://schemas.microsoft.com/office/drawing/2014/main" id="{BBA49EF8-0CAB-D20B-8753-E3112F88E87A}"/>
+              </a:ext>
+            </a:extLst>
+          </p:cNvPr>
+          <p:cNvPicPr>
+            <a:picLocks noChangeAspect="1"/>
+          </p:cNvPicPr>
+          <p:nvPr/>
+        </p:nvPicPr>
+        <p:blipFill>
+          <a:blip r:embed="rId2"/>
+          <a:stretch>
+            <a:fillRect/>
+          </a:stretch>
+        </p:blipFill>
+        <p:spPr>
+          <a:xfrm>
+            <a:off x="3720112" y="3050315"/>
+            <a:ext cx="4751776" cy="3563832"/>
+          </a:xfrm>
+          <a:prstGeom prst="rect">
+            <a:avLst/>
+          </a:prstGeom>
+        </p:spPr>
+      </p:pic>
     </p:spTree>
     <p:extLst>
       <p:ext uri="{BB962C8B-B14F-4D97-AF65-F5344CB8AC3E}">
@@ -5354,7 +5470,13 @@
           <p:cNvGraphicFramePr>
             <a:graphicFrameLocks noGrp="1"/>
           </p:cNvGraphicFramePr>
-          <p:nvPr/>
+          <p:nvPr>
+            <p:extLst>
+              <p:ext uri="{D42A27DB-BD31-4B8C-83A1-F6EECF244321}">
+                <p14:modId xmlns:p14="http://schemas.microsoft.com/office/powerpoint/2010/main" val="2755254373"/>
+              </p:ext>
+            </p:extLst>
+          </p:nvPr>
         </p:nvGraphicFramePr>
         <p:xfrm>
           <a:off x="838200" y="2927607"/>
@@ -5720,95 +5842,122 @@
                     <a:lstStyle/>
                     <a:p>
                       <a:pPr algn="ctr"/>
-                      <a:endParaRPr lang="en-US" dirty="0"/>
-                    </a:p>
-                  </a:txBody>
-                  <a:tcPr/>
-                </a:tc>
-                <a:tc>
-                  <a:txBody>
-                    <a:bodyPr/>
-                    <a:lstStyle/>
-                    <a:p>
-                      <a:pPr algn="ctr"/>
-                      <a:endParaRPr lang="en-US" dirty="0"/>
-                    </a:p>
-                  </a:txBody>
-                  <a:tcPr/>
-                </a:tc>
-                <a:tc>
-                  <a:txBody>
-                    <a:bodyPr/>
-                    <a:lstStyle/>
-                    <a:p>
-                      <a:pPr algn="ctr"/>
-                      <a:endParaRPr lang="en-US" dirty="0"/>
-                    </a:p>
-                  </a:txBody>
-                  <a:tcPr/>
-                </a:tc>
-                <a:tc>
-                  <a:txBody>
-                    <a:bodyPr/>
-                    <a:lstStyle/>
-                    <a:p>
-                      <a:pPr algn="ctr"/>
-                      <a:endParaRPr lang="en-US" dirty="0"/>
-                    </a:p>
-                  </a:txBody>
-                  <a:tcPr/>
-                </a:tc>
-                <a:tc>
-                  <a:txBody>
-                    <a:bodyPr/>
-                    <a:lstStyle/>
-                    <a:p>
-                      <a:pPr algn="ctr"/>
-                      <a:endParaRPr lang="en-US" dirty="0"/>
-                    </a:p>
-                  </a:txBody>
-                  <a:tcPr/>
-                </a:tc>
-                <a:tc>
-                  <a:txBody>
-                    <a:bodyPr/>
-                    <a:lstStyle/>
-                    <a:p>
-                      <a:pPr algn="ctr"/>
-                      <a:endParaRPr lang="en-US" dirty="0"/>
-                    </a:p>
-                  </a:txBody>
-                  <a:tcPr/>
-                </a:tc>
-                <a:tc>
-                  <a:txBody>
-                    <a:bodyPr/>
-                    <a:lstStyle/>
-                    <a:p>
-                      <a:pPr algn="ctr"/>
-                      <a:endParaRPr lang="en-US" dirty="0"/>
-                    </a:p>
-                  </a:txBody>
-                  <a:tcPr/>
-                </a:tc>
-                <a:tc>
-                  <a:txBody>
-                    <a:bodyPr/>
-                    <a:lstStyle/>
-                    <a:p>
-                      <a:pPr algn="ctr"/>
-                      <a:endParaRPr lang="en-US"/>
-                    </a:p>
-                  </a:txBody>
-                  <a:tcPr/>
-                </a:tc>
-                <a:tc>
-                  <a:txBody>
-                    <a:bodyPr/>
-                    <a:lstStyle/>
-                    <a:p>
-                      <a:pPr algn="ctr"/>
-                      <a:endParaRPr lang="en-US"/>
+                      <a:r>
+                        <a:rPr lang="en-US" dirty="0"/>
+                        <a:t>0.71</a:t>
+                      </a:r>
+                    </a:p>
+                  </a:txBody>
+                  <a:tcPr/>
+                </a:tc>
+                <a:tc>
+                  <a:txBody>
+                    <a:bodyPr/>
+                    <a:lstStyle/>
+                    <a:p>
+                      <a:pPr algn="ctr"/>
+                      <a:r>
+                        <a:rPr lang="en-US" dirty="0"/>
+                        <a:t>0.97</a:t>
+                      </a:r>
+                    </a:p>
+                  </a:txBody>
+                  <a:tcPr/>
+                </a:tc>
+                <a:tc>
+                  <a:txBody>
+                    <a:bodyPr/>
+                    <a:lstStyle/>
+                    <a:p>
+                      <a:pPr algn="ctr"/>
+                      <a:r>
+                        <a:rPr lang="en-US" dirty="0"/>
+                        <a:t>0.99</a:t>
+                      </a:r>
+                    </a:p>
+                  </a:txBody>
+                  <a:tcPr/>
+                </a:tc>
+                <a:tc>
+                  <a:txBody>
+                    <a:bodyPr/>
+                    <a:lstStyle/>
+                    <a:p>
+                      <a:pPr algn="ctr"/>
+                      <a:r>
+                        <a:rPr lang="en-US" dirty="0"/>
+                        <a:t>0.99</a:t>
+                      </a:r>
+                    </a:p>
+                  </a:txBody>
+                  <a:tcPr/>
+                </a:tc>
+                <a:tc>
+                  <a:txBody>
+                    <a:bodyPr/>
+                    <a:lstStyle/>
+                    <a:p>
+                      <a:pPr algn="ctr"/>
+                      <a:r>
+                        <a:rPr lang="en-US" dirty="0"/>
+                        <a:t>0.98</a:t>
+                      </a:r>
+                    </a:p>
+                  </a:txBody>
+                  <a:tcPr/>
+                </a:tc>
+                <a:tc>
+                  <a:txBody>
+                    <a:bodyPr/>
+                    <a:lstStyle/>
+                    <a:p>
+                      <a:pPr algn="ctr"/>
+                      <a:r>
+                        <a:rPr lang="en-US" dirty="0"/>
+                        <a:t>0.985</a:t>
+                      </a:r>
+                    </a:p>
+                  </a:txBody>
+                  <a:tcPr/>
+                </a:tc>
+                <a:tc>
+                  <a:txBody>
+                    <a:bodyPr/>
+                    <a:lstStyle/>
+                    <a:p>
+                      <a:pPr algn="ctr"/>
+                      <a:r>
+                        <a:rPr lang="en-US" dirty="0"/>
+                        <a:t>0.99</a:t>
+                      </a:r>
+                    </a:p>
+                  </a:txBody>
+                  <a:tcPr/>
+                </a:tc>
+                <a:tc>
+                  <a:txBody>
+                    <a:bodyPr/>
+                    <a:lstStyle/>
+                    <a:p>
+                      <a:pPr algn="ctr"/>
+                      <a:r>
+                        <a:rPr lang="en-US" dirty="0"/>
+                        <a:t>0.99</a:t>
+                      </a:r>
+                    </a:p>
+                  </a:txBody>
+                  <a:tcPr/>
+                </a:tc>
+                <a:tc>
+                  <a:txBody>
+                    <a:bodyPr/>
+                    <a:lstStyle/>
+                    <a:p>
+                      <a:pPr algn="ctr"/>
+                      <a:r>
+                        <a:rPr lang="en-US" dirty="0"/>
+                        <a:t>0.99</a:t>
+                      </a:r>
                     </a:p>
                   </a:txBody>
                   <a:tcPr/>
@@ -5839,95 +5988,122 @@
                     <a:lstStyle/>
                     <a:p>
                       <a:pPr algn="ctr"/>
-                      <a:endParaRPr lang="en-US"/>
-                    </a:p>
-                  </a:txBody>
-                  <a:tcPr/>
-                </a:tc>
-                <a:tc>
-                  <a:txBody>
-                    <a:bodyPr/>
-                    <a:lstStyle/>
-                    <a:p>
-                      <a:pPr algn="ctr"/>
-                      <a:endParaRPr lang="en-US"/>
-                    </a:p>
-                  </a:txBody>
-                  <a:tcPr/>
-                </a:tc>
-                <a:tc>
-                  <a:txBody>
-                    <a:bodyPr/>
-                    <a:lstStyle/>
-                    <a:p>
-                      <a:pPr algn="ctr"/>
-                      <a:endParaRPr lang="en-US" dirty="0"/>
-                    </a:p>
-                  </a:txBody>
-                  <a:tcPr/>
-                </a:tc>
-                <a:tc>
-                  <a:txBody>
-                    <a:bodyPr/>
-                    <a:lstStyle/>
-                    <a:p>
-                      <a:pPr algn="ctr"/>
-                      <a:endParaRPr lang="en-US" dirty="0"/>
-                    </a:p>
-                  </a:txBody>
-                  <a:tcPr/>
-                </a:tc>
-                <a:tc>
-                  <a:txBody>
-                    <a:bodyPr/>
-                    <a:lstStyle/>
-                    <a:p>
-                      <a:pPr algn="ctr"/>
-                      <a:endParaRPr lang="en-US" dirty="0"/>
-                    </a:p>
-                  </a:txBody>
-                  <a:tcPr/>
-                </a:tc>
-                <a:tc>
-                  <a:txBody>
-                    <a:bodyPr/>
-                    <a:lstStyle/>
-                    <a:p>
-                      <a:pPr algn="ctr"/>
-                      <a:endParaRPr lang="en-US" dirty="0"/>
-                    </a:p>
-                  </a:txBody>
-                  <a:tcPr/>
-                </a:tc>
-                <a:tc>
-                  <a:txBody>
-                    <a:bodyPr/>
-                    <a:lstStyle/>
-                    <a:p>
-                      <a:pPr algn="ctr"/>
-                      <a:endParaRPr lang="en-US" dirty="0"/>
-                    </a:p>
-                  </a:txBody>
-                  <a:tcPr/>
-                </a:tc>
-                <a:tc>
-                  <a:txBody>
-                    <a:bodyPr/>
-                    <a:lstStyle/>
-                    <a:p>
-                      <a:pPr algn="ctr"/>
-                      <a:endParaRPr lang="en-US" dirty="0"/>
-                    </a:p>
-                  </a:txBody>
-                  <a:tcPr/>
-                </a:tc>
-                <a:tc>
-                  <a:txBody>
-                    <a:bodyPr/>
-                    <a:lstStyle/>
-                    <a:p>
-                      <a:pPr algn="ctr"/>
-                      <a:endParaRPr lang="en-US"/>
+                      <a:r>
+                        <a:rPr lang="en-US" dirty="0"/>
+                        <a:t>0.71</a:t>
+                      </a:r>
+                    </a:p>
+                  </a:txBody>
+                  <a:tcPr/>
+                </a:tc>
+                <a:tc>
+                  <a:txBody>
+                    <a:bodyPr/>
+                    <a:lstStyle/>
+                    <a:p>
+                      <a:pPr algn="ctr"/>
+                      <a:r>
+                        <a:rPr lang="en-US" dirty="0"/>
+                        <a:t>0.967</a:t>
+                      </a:r>
+                    </a:p>
+                  </a:txBody>
+                  <a:tcPr/>
+                </a:tc>
+                <a:tc>
+                  <a:txBody>
+                    <a:bodyPr/>
+                    <a:lstStyle/>
+                    <a:p>
+                      <a:pPr algn="ctr"/>
+                      <a:r>
+                        <a:rPr lang="en-US" dirty="0"/>
+                        <a:t>0.985</a:t>
+                      </a:r>
+                    </a:p>
+                  </a:txBody>
+                  <a:tcPr/>
+                </a:tc>
+                <a:tc>
+                  <a:txBody>
+                    <a:bodyPr/>
+                    <a:lstStyle/>
+                    <a:p>
+                      <a:pPr algn="ctr"/>
+                      <a:r>
+                        <a:rPr lang="en-US" dirty="0"/>
+                        <a:t>0.985</a:t>
+                      </a:r>
+                    </a:p>
+                  </a:txBody>
+                  <a:tcPr/>
+                </a:tc>
+                <a:tc>
+                  <a:txBody>
+                    <a:bodyPr/>
+                    <a:lstStyle/>
+                    <a:p>
+                      <a:pPr algn="ctr"/>
+                      <a:r>
+                        <a:rPr lang="en-US" dirty="0"/>
+                        <a:t>0.976</a:t>
+                      </a:r>
+                    </a:p>
+                  </a:txBody>
+                  <a:tcPr/>
+                </a:tc>
+                <a:tc>
+                  <a:txBody>
+                    <a:bodyPr/>
+                    <a:lstStyle/>
+                    <a:p>
+                      <a:pPr algn="ctr"/>
+                      <a:r>
+                        <a:rPr lang="en-US" dirty="0"/>
+                        <a:t>0.978</a:t>
+                      </a:r>
+                    </a:p>
+                  </a:txBody>
+                  <a:tcPr/>
+                </a:tc>
+                <a:tc>
+                  <a:txBody>
+                    <a:bodyPr/>
+                    <a:lstStyle/>
+                    <a:p>
+                      <a:pPr algn="ctr"/>
+                      <a:r>
+                        <a:rPr lang="en-US" dirty="0"/>
+                        <a:t>0.987</a:t>
+                      </a:r>
+                    </a:p>
+                  </a:txBody>
+                  <a:tcPr/>
+                </a:tc>
+                <a:tc>
+                  <a:txBody>
+                    <a:bodyPr/>
+                    <a:lstStyle/>
+                    <a:p>
+                      <a:pPr algn="ctr"/>
+                      <a:r>
+                        <a:rPr lang="en-US" dirty="0"/>
+                        <a:t>0.98</a:t>
+                      </a:r>
+                    </a:p>
+                  </a:txBody>
+                  <a:tcPr/>
+                </a:tc>
+                <a:tc>
+                  <a:txBody>
+                    <a:bodyPr/>
+                    <a:lstStyle/>
+                    <a:p>
+                      <a:pPr algn="ctr"/>
+                      <a:r>
+                        <a:rPr lang="en-US" dirty="0"/>
+                        <a:t>0.974</a:t>
+                      </a:r>
                     </a:p>
                   </a:txBody>
                   <a:tcPr/>
@@ -5958,95 +6134,122 @@
                     <a:lstStyle/>
                     <a:p>
                       <a:pPr algn="ctr"/>
-                      <a:endParaRPr lang="en-US"/>
-                    </a:p>
-                  </a:txBody>
-                  <a:tcPr/>
-                </a:tc>
-                <a:tc>
-                  <a:txBody>
-                    <a:bodyPr/>
-                    <a:lstStyle/>
-                    <a:p>
-                      <a:pPr algn="ctr"/>
-                      <a:endParaRPr lang="en-US"/>
-                    </a:p>
-                  </a:txBody>
-                  <a:tcPr/>
-                </a:tc>
-                <a:tc>
-                  <a:txBody>
-                    <a:bodyPr/>
-                    <a:lstStyle/>
-                    <a:p>
-                      <a:pPr algn="ctr"/>
-                      <a:endParaRPr lang="en-US"/>
-                    </a:p>
-                  </a:txBody>
-                  <a:tcPr/>
-                </a:tc>
-                <a:tc>
-                  <a:txBody>
-                    <a:bodyPr/>
-                    <a:lstStyle/>
-                    <a:p>
-                      <a:pPr algn="ctr"/>
-                      <a:endParaRPr lang="en-US"/>
-                    </a:p>
-                  </a:txBody>
-                  <a:tcPr/>
-                </a:tc>
-                <a:tc>
-                  <a:txBody>
-                    <a:bodyPr/>
-                    <a:lstStyle/>
-                    <a:p>
-                      <a:pPr algn="ctr"/>
-                      <a:endParaRPr lang="en-US" dirty="0"/>
-                    </a:p>
-                  </a:txBody>
-                  <a:tcPr/>
-                </a:tc>
-                <a:tc>
-                  <a:txBody>
-                    <a:bodyPr/>
-                    <a:lstStyle/>
-                    <a:p>
-                      <a:pPr algn="ctr"/>
-                      <a:endParaRPr lang="en-US" dirty="0"/>
-                    </a:p>
-                  </a:txBody>
-                  <a:tcPr/>
-                </a:tc>
-                <a:tc>
-                  <a:txBody>
-                    <a:bodyPr/>
-                    <a:lstStyle/>
-                    <a:p>
-                      <a:pPr algn="ctr"/>
-                      <a:endParaRPr lang="en-US" dirty="0"/>
-                    </a:p>
-                  </a:txBody>
-                  <a:tcPr/>
-                </a:tc>
-                <a:tc>
-                  <a:txBody>
-                    <a:bodyPr/>
-                    <a:lstStyle/>
-                    <a:p>
-                      <a:pPr algn="ctr"/>
-                      <a:endParaRPr lang="en-US" dirty="0"/>
-                    </a:p>
-                  </a:txBody>
-                  <a:tcPr/>
-                </a:tc>
-                <a:tc>
-                  <a:txBody>
-                    <a:bodyPr/>
-                    <a:lstStyle/>
-                    <a:p>
-                      <a:pPr algn="ctr"/>
-                      <a:endParaRPr lang="en-US" dirty="0"/>
+                      <a:r>
+                        <a:rPr lang="en-US" dirty="0"/>
+                        <a:t>0.0</a:t>
+                      </a:r>
+                    </a:p>
+                  </a:txBody>
+                  <a:tcPr/>
+                </a:tc>
+                <a:tc>
+                  <a:txBody>
+                    <a:bodyPr/>
+                    <a:lstStyle/>
+                    <a:p>
+                      <a:pPr algn="ctr"/>
+                      <a:r>
+                        <a:rPr lang="en-US" dirty="0"/>
+                        <a:t>0.0024</a:t>
+                      </a:r>
+                    </a:p>
+                  </a:txBody>
+                  <a:tcPr/>
+                </a:tc>
+                <a:tc>
+                  <a:txBody>
+                    <a:bodyPr/>
+                    <a:lstStyle/>
+                    <a:p>
+                      <a:pPr algn="ctr"/>
+                      <a:r>
+                        <a:rPr lang="en-US" dirty="0"/>
+                        <a:t>0.0032</a:t>
+                      </a:r>
+                    </a:p>
+                  </a:txBody>
+                  <a:tcPr/>
+                </a:tc>
+                <a:tc>
+                  <a:txBody>
+                    <a:bodyPr/>
+                    <a:lstStyle/>
+                    <a:p>
+                      <a:pPr algn="ctr"/>
+                      <a:r>
+                        <a:rPr lang="en-US" dirty="0"/>
+                        <a:t>0.0077</a:t>
+                      </a:r>
+                    </a:p>
+                  </a:txBody>
+                  <a:tcPr/>
+                </a:tc>
+                <a:tc>
+                  <a:txBody>
+                    <a:bodyPr/>
+                    <a:lstStyle/>
+                    <a:p>
+                      <a:pPr algn="ctr"/>
+                      <a:r>
+                        <a:rPr lang="en-US" dirty="0"/>
+                        <a:t>0.0037</a:t>
+                      </a:r>
+                    </a:p>
+                  </a:txBody>
+                  <a:tcPr/>
+                </a:tc>
+                <a:tc>
+                  <a:txBody>
+                    <a:bodyPr/>
+                    <a:lstStyle/>
+                    <a:p>
+                      <a:pPr algn="ctr"/>
+                      <a:r>
+                        <a:rPr lang="en-US" dirty="0"/>
+                        <a:t>0.0051</a:t>
+                      </a:r>
+                    </a:p>
+                  </a:txBody>
+                  <a:tcPr/>
+                </a:tc>
+                <a:tc>
+                  <a:txBody>
+                    <a:bodyPr/>
+                    <a:lstStyle/>
+                    <a:p>
+                      <a:pPr algn="ctr"/>
+                      <a:r>
+                        <a:rPr lang="en-US" dirty="0"/>
+                        <a:t>0.0024</a:t>
+                      </a:r>
+                    </a:p>
+                  </a:txBody>
+                  <a:tcPr/>
+                </a:tc>
+                <a:tc>
+                  <a:txBody>
+                    <a:bodyPr/>
+                    <a:lstStyle/>
+                    <a:p>
+                      <a:pPr algn="ctr"/>
+                      <a:r>
+                        <a:rPr lang="en-US" dirty="0"/>
+                        <a:t>0.0071</a:t>
+                      </a:r>
+                    </a:p>
+                  </a:txBody>
+                  <a:tcPr/>
+                </a:tc>
+                <a:tc>
+                  <a:txBody>
+                    <a:bodyPr/>
+                    <a:lstStyle/>
+                    <a:p>
+                      <a:pPr algn="ctr"/>
+                      <a:r>
+                        <a:rPr lang="en-US" dirty="0"/>
+                        <a:t>0.0097</a:t>
+                      </a:r>
                     </a:p>
                   </a:txBody>
                   <a:tcPr/>
@@ -6189,6 +6392,36 @@
           </a:p>
         </p:txBody>
       </p:sp>
+      <p:pic>
+        <p:nvPicPr>
+          <p:cNvPr id="5" name="Picture 4">
+            <a:extLst>
+              <a:ext uri="{FF2B5EF4-FFF2-40B4-BE49-F238E27FC236}">
+                <a16:creationId xmlns:a16="http://schemas.microsoft.com/office/drawing/2014/main" id="{DD5CBFD7-466D-8C70-1D59-EDCA6ED5A186}"/>
+              </a:ext>
+            </a:extLst>
+          </p:cNvPr>
+          <p:cNvPicPr>
+            <a:picLocks noChangeAspect="1"/>
+          </p:cNvPicPr>
+          <p:nvPr/>
+        </p:nvPicPr>
+        <p:blipFill>
+          <a:blip r:embed="rId2"/>
+          <a:stretch>
+            <a:fillRect/>
+          </a:stretch>
+        </p:blipFill>
+        <p:spPr>
+          <a:xfrm>
+            <a:off x="3562940" y="2974428"/>
+            <a:ext cx="5066120" cy="3799590"/>
+          </a:xfrm>
+          <a:prstGeom prst="rect">
+            <a:avLst/>
+          </a:prstGeom>
+        </p:spPr>
+      </p:pic>
     </p:spTree>
     <p:extLst>
       <p:ext uri="{BB962C8B-B14F-4D97-AF65-F5344CB8AC3E}">
@@ -7103,12 +7336,13 @@
 </file>
 
 <file path=customXml/item1.xml><?xml version="1.0" encoding="utf-8"?>
-<?mso-contentType ?>
-<FormTemplates xmlns="http://schemas.microsoft.com/sharepoint/v3/contenttype/forms">
-  <Display>DocumentLibraryForm</Display>
-  <Edit>DocumentLibraryForm</Edit>
-  <New>DocumentLibraryForm</New>
-</FormTemplates>
+<p:properties xmlns:p="http://schemas.microsoft.com/office/2006/metadata/properties" xmlns:xsi="http://www.w3.org/2001/XMLSchema-instance" xmlns:pc="http://schemas.microsoft.com/office/infopath/2007/PartnerControls">
+  <documentManagement>
+    <lcf76f155ced4ddcb4097134ff3c332f xmlns="3cd04f37-61de-4efe-8deb-41caa9b443e6">
+      <Terms xmlns="http://schemas.microsoft.com/office/infopath/2007/PartnerControls"/>
+    </lcf76f155ced4ddcb4097134ff3c332f>
+  </documentManagement>
+</p:properties>
 </file>
 
 <file path=customXml/item2.xml><?xml version="1.0" encoding="utf-8"?>
@@ -7272,19 +7506,20 @@
 </file>
 
 <file path=customXml/item3.xml><?xml version="1.0" encoding="utf-8"?>
-<p:properties xmlns:p="http://schemas.microsoft.com/office/2006/metadata/properties" xmlns:xsi="http://www.w3.org/2001/XMLSchema-instance" xmlns:pc="http://schemas.microsoft.com/office/infopath/2007/PartnerControls">
-  <documentManagement>
-    <lcf76f155ced4ddcb4097134ff3c332f xmlns="3cd04f37-61de-4efe-8deb-41caa9b443e6">
-      <Terms xmlns="http://schemas.microsoft.com/office/infopath/2007/PartnerControls"/>
-    </lcf76f155ced4ddcb4097134ff3c332f>
-  </documentManagement>
-</p:properties>
+<?mso-contentType ?>
+<FormTemplates xmlns="http://schemas.microsoft.com/sharepoint/v3/contenttype/forms">
+  <Display>DocumentLibraryForm</Display>
+  <Edit>DocumentLibraryForm</Edit>
+  <New>DocumentLibraryForm</New>
+</FormTemplates>
 </file>
 
 <file path=customXml/itemProps1.xml><?xml version="1.0" encoding="utf-8"?>
-<ds:datastoreItem xmlns:ds="http://schemas.openxmlformats.org/officeDocument/2006/customXml" ds:itemID="{E8F5940B-7EB4-4A2B-BFAE-53D59BF17B85}">
+<ds:datastoreItem xmlns:ds="http://schemas.openxmlformats.org/officeDocument/2006/customXml" ds:itemID="{36D64FAB-7221-4C50-8C9C-CC74698F23CF}">
   <ds:schemaRefs>
-    <ds:schemaRef ds:uri="http://schemas.microsoft.com/sharepoint/v3/contenttype/forms"/>
+    <ds:schemaRef ds:uri="http://schemas.microsoft.com/office/2006/metadata/properties"/>
+    <ds:schemaRef ds:uri="http://schemas.microsoft.com/office/infopath/2007/PartnerControls"/>
+    <ds:schemaRef ds:uri="3cd04f37-61de-4efe-8deb-41caa9b443e6"/>
   </ds:schemaRefs>
 </ds:datastoreItem>
 </file>
@@ -7308,11 +7543,9 @@
 </file>
 
 <file path=customXml/itemProps3.xml><?xml version="1.0" encoding="utf-8"?>
-<ds:datastoreItem xmlns:ds="http://schemas.openxmlformats.org/officeDocument/2006/customXml" ds:itemID="{36D64FAB-7221-4C50-8C9C-CC74698F23CF}">
+<ds:datastoreItem xmlns:ds="http://schemas.openxmlformats.org/officeDocument/2006/customXml" ds:itemID="{E8F5940B-7EB4-4A2B-BFAE-53D59BF17B85}">
   <ds:schemaRefs>
-    <ds:schemaRef ds:uri="http://schemas.microsoft.com/office/2006/metadata/properties"/>
-    <ds:schemaRef ds:uri="http://schemas.microsoft.com/office/infopath/2007/PartnerControls"/>
-    <ds:schemaRef ds:uri="3cd04f37-61de-4efe-8deb-41caa9b443e6"/>
+    <ds:schemaRef ds:uri="http://schemas.microsoft.com/sharepoint/v3/contenttype/forms"/>
   </ds:schemaRefs>
 </ds:datastoreItem>
 </file>
--- a/Project 4/NeuralNet_report.pptx
+++ b/Project 4/NeuralNet_report.pptx
@@ -324,7 +324,7 @@
           <a:p>
             <a:fld id="{67341EB0-0461-CD43-85FB-D0CB82766506}" type="datetimeFigureOut">
               <a:rPr lang="en-US" smtClean="0"/>
-              <a:t>11/27/2023</a:t>
+              <a:t>12/4/2023</a:t>
             </a:fld>
             <a:endParaRPr lang="en-US"/>
           </a:p>
@@ -522,7 +522,7 @@
           <a:p>
             <a:fld id="{67341EB0-0461-CD43-85FB-D0CB82766506}" type="datetimeFigureOut">
               <a:rPr lang="en-US" smtClean="0"/>
-              <a:t>11/27/2023</a:t>
+              <a:t>12/4/2023</a:t>
             </a:fld>
             <a:endParaRPr lang="en-US"/>
           </a:p>
@@ -730,7 +730,7 @@
           <a:p>
             <a:fld id="{67341EB0-0461-CD43-85FB-D0CB82766506}" type="datetimeFigureOut">
               <a:rPr lang="en-US" smtClean="0"/>
-              <a:t>11/27/2023</a:t>
+              <a:t>12/4/2023</a:t>
             </a:fld>
             <a:endParaRPr lang="en-US"/>
           </a:p>
@@ -928,7 +928,7 @@
           <a:p>
             <a:fld id="{67341EB0-0461-CD43-85FB-D0CB82766506}" type="datetimeFigureOut">
               <a:rPr lang="en-US" smtClean="0"/>
-              <a:t>11/27/2023</a:t>
+              <a:t>12/4/2023</a:t>
             </a:fld>
             <a:endParaRPr lang="en-US"/>
           </a:p>
@@ -1203,7 +1203,7 @@
           <a:p>
             <a:fld id="{67341EB0-0461-CD43-85FB-D0CB82766506}" type="datetimeFigureOut">
               <a:rPr lang="en-US" smtClean="0"/>
-              <a:t>11/27/2023</a:t>
+              <a:t>12/4/2023</a:t>
             </a:fld>
             <a:endParaRPr lang="en-US"/>
           </a:p>
@@ -1468,7 +1468,7 @@
           <a:p>
             <a:fld id="{67341EB0-0461-CD43-85FB-D0CB82766506}" type="datetimeFigureOut">
               <a:rPr lang="en-US" smtClean="0"/>
-              <a:t>11/27/2023</a:t>
+              <a:t>12/4/2023</a:t>
             </a:fld>
             <a:endParaRPr lang="en-US"/>
           </a:p>
@@ -1880,7 +1880,7 @@
           <a:p>
             <a:fld id="{67341EB0-0461-CD43-85FB-D0CB82766506}" type="datetimeFigureOut">
               <a:rPr lang="en-US" smtClean="0"/>
-              <a:t>11/27/2023</a:t>
+              <a:t>12/4/2023</a:t>
             </a:fld>
             <a:endParaRPr lang="en-US"/>
           </a:p>
@@ -2021,7 +2021,7 @@
           <a:p>
             <a:fld id="{67341EB0-0461-CD43-85FB-D0CB82766506}" type="datetimeFigureOut">
               <a:rPr lang="en-US" smtClean="0"/>
-              <a:t>11/27/2023</a:t>
+              <a:t>12/4/2023</a:t>
             </a:fld>
             <a:endParaRPr lang="en-US"/>
           </a:p>
@@ -2134,7 +2134,7 @@
           <a:p>
             <a:fld id="{67341EB0-0461-CD43-85FB-D0CB82766506}" type="datetimeFigureOut">
               <a:rPr lang="en-US" smtClean="0"/>
-              <a:t>11/27/2023</a:t>
+              <a:t>12/4/2023</a:t>
             </a:fld>
             <a:endParaRPr lang="en-US"/>
           </a:p>
@@ -2445,7 +2445,7 @@
           <a:p>
             <a:fld id="{67341EB0-0461-CD43-85FB-D0CB82766506}" type="datetimeFigureOut">
               <a:rPr lang="en-US" smtClean="0"/>
-              <a:t>11/27/2023</a:t>
+              <a:t>12/4/2023</a:t>
             </a:fld>
             <a:endParaRPr lang="en-US"/>
           </a:p>
@@ -2733,7 +2733,7 @@
           <a:p>
             <a:fld id="{67341EB0-0461-CD43-85FB-D0CB82766506}" type="datetimeFigureOut">
               <a:rPr lang="en-US" smtClean="0"/>
-              <a:t>11/27/2023</a:t>
+              <a:t>12/4/2023</a:t>
             </a:fld>
             <a:endParaRPr lang="en-US"/>
           </a:p>
@@ -2974,7 +2974,7 @@
           <a:p>
             <a:fld id="{67341EB0-0461-CD43-85FB-D0CB82766506}" type="datetimeFigureOut">
               <a:rPr lang="en-US" smtClean="0"/>
-              <a:t>11/27/2023</a:t>
+              <a:t>12/4/2023</a:t>
             </a:fld>
             <a:endParaRPr lang="en-US"/>
           </a:p>
@@ -5309,9 +5309,16 @@
             <p:ph idx="1"/>
           </p:nvPr>
         </p:nvSpPr>
-        <p:spPr/>
-        <p:txBody>
-          <a:bodyPr/>
+        <p:spPr>
+          <a:xfrm>
+            <a:off x="838200" y="1825624"/>
+            <a:ext cx="10515600" cy="4575175"/>
+          </a:xfrm>
+        </p:spPr>
+        <p:txBody>
+          <a:bodyPr>
+            <a:normAutofit/>
+          </a:bodyPr>
           <a:lstStyle/>
           <a:p>
             <a:pPr marL="0" indent="0">
@@ -5340,7 +5347,11 @@
             </a:pPr>
             <a:r>
               <a:rPr lang="en-US" b="1" dirty="0"/>
-              <a:t>Answer:</a:t>
+              <a:t>Answer: </a:t>
+            </a:r>
+            <a:r>
+              <a:rPr lang="en-US" dirty="0"/>
+              <a:t>There is a very noticeable jump in accuracy from 0 to 5 hidden layers. However, after this, the accuracy increases slightly before plateauing out at around 90%. It seems that the optimal number of hidden layers is between 10 and 15 layers since additional layers after this don’t really benefit the model and really only adds extra complexity to something that could be accomplished with fewer layers. Overall, accuracy is affected by the number of hidden layers, but adding more layers after a certain point doesn’t necessary help us improve accuracy further. </a:t>
             </a:r>
           </a:p>
           <a:p>
@@ -6496,9 +6507,16 @@
             <p:ph idx="1"/>
           </p:nvPr>
         </p:nvSpPr>
-        <p:spPr/>
-        <p:txBody>
-          <a:bodyPr/>
+        <p:spPr>
+          <a:xfrm>
+            <a:off x="838200" y="1597284"/>
+            <a:ext cx="10515600" cy="4892416"/>
+          </a:xfrm>
+        </p:spPr>
+        <p:txBody>
+          <a:bodyPr>
+            <a:normAutofit/>
+          </a:bodyPr>
           <a:lstStyle/>
           <a:p>
             <a:pPr marL="0" indent="0">
@@ -6527,8 +6545,26 @@
             </a:pPr>
             <a:r>
               <a:rPr lang="en-US" b="1" dirty="0"/>
-              <a:t>Answer:</a:t>
-            </a:r>
+              <a:t>Answer: </a:t>
+            </a:r>
+            <a:r>
+              <a:rPr lang="en-US" dirty="0"/>
+              <a:t>Just like the previous graph, there is a very noticeable jump in accuracy from 0 to 5 hidden layers. After this initial spike, the accuracy increases slightly before plateauing out in the range of 96-99%. It seems that the optimal number of hidden layers is around 10 layers since adding more layers after this don’t really benefit the model and really only adds extra complexity to something that could be accomplished with fewer layers. Overall, accuracy is affected by the number of hidden layers, but adding more layers after a certain point doesn’t necessary help us improve accuracy further, which is similar to the situation in the previous </a:t>
+            </a:r>
+            <a:r>
+              <a:rPr lang="en-US" dirty="0" err="1"/>
+              <a:t>testPenData</a:t>
+            </a:r>
+            <a:r>
+              <a:rPr lang="en-US" dirty="0"/>
+              <a:t> model. </a:t>
+            </a:r>
+          </a:p>
+          <a:p>
+            <a:pPr marL="0" indent="0">
+              <a:buNone/>
+            </a:pPr>
+            <a:endParaRPr lang="en-US" b="1" dirty="0"/>
           </a:p>
           <a:p>
             <a:pPr marL="0" indent="0">
@@ -6642,7 +6678,7 @@
           <p:nvPr>
             <p:extLst>
               <p:ext uri="{D42A27DB-BD31-4B8C-83A1-F6EECF244321}">
-                <p14:modId xmlns:p14="http://schemas.microsoft.com/office/powerpoint/2010/main" val="2613878556"/>
+                <p14:modId xmlns:p14="http://schemas.microsoft.com/office/powerpoint/2010/main" val="2962929448"/>
               </p:ext>
             </p:extLst>
           </p:nvPr>
@@ -6791,35 +6827,35 @@
                       <a:pPr algn="ctr"/>
                       <a:r>
                         <a:rPr lang="en-US" dirty="0"/>
-                        <a:t>___ perceptrons</a:t>
-                      </a:r>
-                    </a:p>
-                  </a:txBody>
-                  <a:tcPr/>
-                </a:tc>
-                <a:tc>
-                  <a:txBody>
-                    <a:bodyPr/>
-                    <a:lstStyle/>
-                    <a:p>
-                      <a:pPr algn="ctr"/>
-                      <a:r>
-                        <a:rPr lang="en-US" dirty="0"/>
-                        <a:t>___ perceptrons</a:t>
-                      </a:r>
-                    </a:p>
-                  </a:txBody>
-                  <a:tcPr/>
-                </a:tc>
-                <a:tc>
-                  <a:txBody>
-                    <a:bodyPr/>
-                    <a:lstStyle/>
-                    <a:p>
-                      <a:pPr algn="ctr"/>
-                      <a:r>
-                        <a:rPr lang="en-US" dirty="0"/>
-                        <a:t>___ perceptrons</a:t>
+                        <a:t>15 perceptrons</a:t>
+                      </a:r>
+                    </a:p>
+                  </a:txBody>
+                  <a:tcPr/>
+                </a:tc>
+                <a:tc>
+                  <a:txBody>
+                    <a:bodyPr/>
+                    <a:lstStyle/>
+                    <a:p>
+                      <a:pPr algn="ctr"/>
+                      <a:r>
+                        <a:rPr lang="en-US" dirty="0"/>
+                        <a:t>35 perceptrons</a:t>
+                      </a:r>
+                    </a:p>
+                  </a:txBody>
+                  <a:tcPr/>
+                </a:tc>
+                <a:tc>
+                  <a:txBody>
+                    <a:bodyPr/>
+                    <a:lstStyle/>
+                    <a:p>
+                      <a:pPr algn="ctr"/>
+                      <a:r>
+                        <a:rPr lang="en-US" dirty="0"/>
+                        <a:t>45 perceptrons</a:t>
                       </a:r>
                     </a:p>
                   </a:txBody>
@@ -6851,40 +6887,52 @@
                     <a:lstStyle/>
                     <a:p>
                       <a:pPr algn="ctr"/>
-                      <a:endParaRPr lang="en-US" dirty="0"/>
-                    </a:p>
-                  </a:txBody>
-                  <a:tcPr/>
-                </a:tc>
-                <a:tc>
-                  <a:txBody>
-                    <a:bodyPr/>
-                    <a:lstStyle/>
-                    <a:p>
-                      <a:pPr algn="ctr"/>
-                      <a:endParaRPr lang="en-US" dirty="0"/>
-                    </a:p>
-                  </a:txBody>
-                  <a:tcPr/>
-                </a:tc>
-                <a:tc>
-                  <a:txBody>
-                    <a:bodyPr/>
-                    <a:lstStyle/>
-                    <a:p>
-                      <a:pPr algn="ctr"/>
-                      <a:endParaRPr lang="en-US" dirty="0"/>
-                    </a:p>
-                  </a:txBody>
-                  <a:tcPr/>
-                </a:tc>
-                <a:tc>
-                  <a:txBody>
-                    <a:bodyPr/>
-                    <a:lstStyle/>
-                    <a:p>
-                      <a:pPr algn="ctr"/>
-                      <a:endParaRPr lang="en-US" dirty="0"/>
+                      <a:r>
+                        <a:rPr lang="en-US" dirty="0"/>
+                        <a:t>0.5</a:t>
+                      </a:r>
+                    </a:p>
+                  </a:txBody>
+                  <a:tcPr/>
+                </a:tc>
+                <a:tc>
+                  <a:txBody>
+                    <a:bodyPr/>
+                    <a:lstStyle/>
+                    <a:p>
+                      <a:pPr algn="ctr"/>
+                      <a:r>
+                        <a:rPr lang="en-US" dirty="0"/>
+                        <a:t>0.75</a:t>
+                      </a:r>
+                    </a:p>
+                  </a:txBody>
+                  <a:tcPr/>
+                </a:tc>
+                <a:tc>
+                  <a:txBody>
+                    <a:bodyPr/>
+                    <a:lstStyle/>
+                    <a:p>
+                      <a:pPr algn="ctr"/>
+                      <a:r>
+                        <a:rPr lang="en-US" dirty="0"/>
+                        <a:t>1.0</a:t>
+                      </a:r>
+                    </a:p>
+                  </a:txBody>
+                  <a:tcPr/>
+                </a:tc>
+                <a:tc>
+                  <a:txBody>
+                    <a:bodyPr/>
+                    <a:lstStyle/>
+                    <a:p>
+                      <a:pPr algn="ctr"/>
+                      <a:r>
+                        <a:rPr lang="en-US" dirty="0"/>
+                        <a:t>1.0</a:t>
+                      </a:r>
                     </a:p>
                   </a:txBody>
                   <a:tcPr/>
@@ -6915,40 +6963,52 @@
                     <a:lstStyle/>
                     <a:p>
                       <a:pPr algn="ctr"/>
-                      <a:endParaRPr lang="en-US" dirty="0"/>
-                    </a:p>
-                  </a:txBody>
-                  <a:tcPr/>
-                </a:tc>
-                <a:tc>
-                  <a:txBody>
-                    <a:bodyPr/>
-                    <a:lstStyle/>
-                    <a:p>
-                      <a:pPr algn="ctr"/>
-                      <a:endParaRPr lang="en-US" dirty="0"/>
-                    </a:p>
-                  </a:txBody>
-                  <a:tcPr/>
-                </a:tc>
-                <a:tc>
-                  <a:txBody>
-                    <a:bodyPr/>
-                    <a:lstStyle/>
-                    <a:p>
-                      <a:pPr algn="ctr"/>
-                      <a:endParaRPr lang="en-US" dirty="0"/>
-                    </a:p>
-                  </a:txBody>
-                  <a:tcPr/>
-                </a:tc>
-                <a:tc>
-                  <a:txBody>
-                    <a:bodyPr/>
-                    <a:lstStyle/>
-                    <a:p>
-                      <a:pPr algn="ctr"/>
-                      <a:endParaRPr lang="en-US" dirty="0"/>
+                      <a:r>
+                        <a:rPr lang="en-US" dirty="0"/>
+                        <a:t>0.3</a:t>
+                      </a:r>
+                    </a:p>
+                  </a:txBody>
+                  <a:tcPr/>
+                </a:tc>
+                <a:tc>
+                  <a:txBody>
+                    <a:bodyPr/>
+                    <a:lstStyle/>
+                    <a:p>
+                      <a:pPr algn="ctr"/>
+                      <a:r>
+                        <a:rPr lang="en-US" dirty="0"/>
+                        <a:t>0.5</a:t>
+                      </a:r>
+                    </a:p>
+                  </a:txBody>
+                  <a:tcPr/>
+                </a:tc>
+                <a:tc>
+                  <a:txBody>
+                    <a:bodyPr/>
+                    <a:lstStyle/>
+                    <a:p>
+                      <a:pPr algn="ctr"/>
+                      <a:r>
+                        <a:rPr lang="en-US" dirty="0"/>
+                        <a:t>0.8</a:t>
+                      </a:r>
+                    </a:p>
+                  </a:txBody>
+                  <a:tcPr/>
+                </a:tc>
+                <a:tc>
+                  <a:txBody>
+                    <a:bodyPr/>
+                    <a:lstStyle/>
+                    <a:p>
+                      <a:pPr algn="ctr"/>
+                      <a:r>
+                        <a:rPr lang="en-US" dirty="0"/>
+                        <a:t>0.95</a:t>
+                      </a:r>
                     </a:p>
                   </a:txBody>
                   <a:tcPr/>
@@ -6979,40 +7039,52 @@
                     <a:lstStyle/>
                     <a:p>
                       <a:pPr algn="ctr"/>
-                      <a:endParaRPr lang="en-US" dirty="0"/>
-                    </a:p>
-                  </a:txBody>
-                  <a:tcPr/>
-                </a:tc>
-                <a:tc>
-                  <a:txBody>
-                    <a:bodyPr/>
-                    <a:lstStyle/>
-                    <a:p>
-                      <a:pPr algn="ctr"/>
-                      <a:endParaRPr lang="en-US" dirty="0"/>
-                    </a:p>
-                  </a:txBody>
-                  <a:tcPr/>
-                </a:tc>
-                <a:tc>
-                  <a:txBody>
-                    <a:bodyPr/>
-                    <a:lstStyle/>
-                    <a:p>
-                      <a:pPr algn="ctr"/>
-                      <a:endParaRPr lang="en-US" dirty="0"/>
-                    </a:p>
-                  </a:txBody>
-                  <a:tcPr/>
-                </a:tc>
-                <a:tc>
-                  <a:txBody>
-                    <a:bodyPr/>
-                    <a:lstStyle/>
-                    <a:p>
-                      <a:pPr algn="ctr"/>
-                      <a:endParaRPr lang="en-US" dirty="0"/>
+                      <a:r>
+                        <a:rPr lang="en-US" dirty="0"/>
+                        <a:t>0.24494897427831</a:t>
+                      </a:r>
+                    </a:p>
+                  </a:txBody>
+                  <a:tcPr/>
+                </a:tc>
+                <a:tc>
+                  <a:txBody>
+                    <a:bodyPr/>
+                    <a:lstStyle/>
+                    <a:p>
+                      <a:pPr algn="ctr"/>
+                      <a:r>
+                        <a:rPr lang="en-US" dirty="0"/>
+                        <a:t>0.2738612787525</a:t>
+                      </a:r>
+                    </a:p>
+                  </a:txBody>
+                  <a:tcPr/>
+                </a:tc>
+                <a:tc>
+                  <a:txBody>
+                    <a:bodyPr/>
+                    <a:lstStyle/>
+                    <a:p>
+                      <a:pPr algn="ctr"/>
+                      <a:r>
+                        <a:rPr lang="en-US" dirty="0"/>
+                        <a:t>0.187082869338</a:t>
+                      </a:r>
+                    </a:p>
+                  </a:txBody>
+                  <a:tcPr/>
+                </a:tc>
+                <a:tc>
+                  <a:txBody>
+                    <a:bodyPr/>
+                    <a:lstStyle/>
+                    <a:p>
+                      <a:pPr algn="ctr"/>
+                      <a:r>
+                        <a:rPr lang="en-US" dirty="0"/>
+                        <a:t>0.1</a:t>
+                      </a:r>
                     </a:p>
                   </a:txBody>
                   <a:tcPr/>
@@ -7336,16 +7408,6 @@
 </file>
 
 <file path=customXml/item1.xml><?xml version="1.0" encoding="utf-8"?>
-<p:properties xmlns:p="http://schemas.microsoft.com/office/2006/metadata/properties" xmlns:xsi="http://www.w3.org/2001/XMLSchema-instance" xmlns:pc="http://schemas.microsoft.com/office/infopath/2007/PartnerControls">
-  <documentManagement>
-    <lcf76f155ced4ddcb4097134ff3c332f xmlns="3cd04f37-61de-4efe-8deb-41caa9b443e6">
-      <Terms xmlns="http://schemas.microsoft.com/office/infopath/2007/PartnerControls"/>
-    </lcf76f155ced4ddcb4097134ff3c332f>
-  </documentManagement>
-</p:properties>
-</file>
-
-<file path=customXml/item2.xml><?xml version="1.0" encoding="utf-8"?>
 <ct:contentTypeSchema xmlns:ct="http://schemas.microsoft.com/office/2006/metadata/contentType" xmlns:ma="http://schemas.microsoft.com/office/2006/metadata/properties/metaAttributes" ct:_="" ma:_="" ma:contentTypeName="Document" ma:contentTypeID="0x0101006848A6A150DE2B4D9E39EBD463A4E71C" ma:contentTypeVersion="7" ma:contentTypeDescription="Create a new document." ma:contentTypeScope="" ma:versionID="a15653001aa0b3746dee938cebba7eea">
   <xsd:schema xmlns:xsd="http://www.w3.org/2001/XMLSchema" xmlns:xs="http://www.w3.org/2001/XMLSchema" xmlns:p="http://schemas.microsoft.com/office/2006/metadata/properties" xmlns:ns2="3cd04f37-61de-4efe-8deb-41caa9b443e6" targetNamespace="http://schemas.microsoft.com/office/2006/metadata/properties" ma:root="true" ma:fieldsID="b211b56fd2ae32ec40bcfadbf36bf3ec" ns2:_="">
     <xsd:import namespace="3cd04f37-61de-4efe-8deb-41caa9b443e6"/>
@@ -7505,6 +7567,16 @@
 </ct:contentTypeSchema>
 </file>
 
+<file path=customXml/item2.xml><?xml version="1.0" encoding="utf-8"?>
+<p:properties xmlns:p="http://schemas.microsoft.com/office/2006/metadata/properties" xmlns:xsi="http://www.w3.org/2001/XMLSchema-instance" xmlns:pc="http://schemas.microsoft.com/office/infopath/2007/PartnerControls">
+  <documentManagement>
+    <lcf76f155ced4ddcb4097134ff3c332f xmlns="3cd04f37-61de-4efe-8deb-41caa9b443e6">
+      <Terms xmlns="http://schemas.microsoft.com/office/infopath/2007/PartnerControls"/>
+    </lcf76f155ced4ddcb4097134ff3c332f>
+  </documentManagement>
+</p:properties>
+</file>
+
 <file path=customXml/item3.xml><?xml version="1.0" encoding="utf-8"?>
 <?mso-contentType ?>
 <FormTemplates xmlns="http://schemas.microsoft.com/sharepoint/v3/contenttype/forms">
@@ -7515,16 +7587,6 @@
 </file>
 
 <file path=customXml/itemProps1.xml><?xml version="1.0" encoding="utf-8"?>
-<ds:datastoreItem xmlns:ds="http://schemas.openxmlformats.org/officeDocument/2006/customXml" ds:itemID="{36D64FAB-7221-4C50-8C9C-CC74698F23CF}">
-  <ds:schemaRefs>
-    <ds:schemaRef ds:uri="http://schemas.microsoft.com/office/2006/metadata/properties"/>
-    <ds:schemaRef ds:uri="http://schemas.microsoft.com/office/infopath/2007/PartnerControls"/>
-    <ds:schemaRef ds:uri="3cd04f37-61de-4efe-8deb-41caa9b443e6"/>
-  </ds:schemaRefs>
-</ds:datastoreItem>
-</file>
-
-<file path=customXml/itemProps2.xml><?xml version="1.0" encoding="utf-8"?>
 <ds:datastoreItem xmlns:ds="http://schemas.openxmlformats.org/officeDocument/2006/customXml" ds:itemID="{2C8C551B-A7EB-4714-A850-95836CCFC40A}">
   <ds:schemaRefs>
     <ds:schemaRef ds:uri="http://schemas.microsoft.com/office/2006/metadata/contentType"/>
@@ -7542,6 +7604,16 @@
 </ds:datastoreItem>
 </file>
 
+<file path=customXml/itemProps2.xml><?xml version="1.0" encoding="utf-8"?>
+<ds:datastoreItem xmlns:ds="http://schemas.openxmlformats.org/officeDocument/2006/customXml" ds:itemID="{36D64FAB-7221-4C50-8C9C-CC74698F23CF}">
+  <ds:schemaRefs>
+    <ds:schemaRef ds:uri="http://schemas.microsoft.com/office/2006/metadata/properties"/>
+    <ds:schemaRef ds:uri="http://schemas.microsoft.com/office/infopath/2007/PartnerControls"/>
+    <ds:schemaRef ds:uri="3cd04f37-61de-4efe-8deb-41caa9b443e6"/>
+  </ds:schemaRefs>
+</ds:datastoreItem>
+</file>
+
 <file path=customXml/itemProps3.xml><?xml version="1.0" encoding="utf-8"?>
 <ds:datastoreItem xmlns:ds="http://schemas.openxmlformats.org/officeDocument/2006/customXml" ds:itemID="{E8F5940B-7EB4-4A2B-BFAE-53D59BF17B85}">
   <ds:schemaRefs>

--- a/Project 4/NeuralNet_report.pptx
+++ b/Project 4/NeuralNet_report.pptx
@@ -324,7 +324,7 @@
           <a:p>
             <a:fld id="{67341EB0-0461-CD43-85FB-D0CB82766506}" type="datetimeFigureOut">
               <a:rPr lang="en-US" smtClean="0"/>
-              <a:t>12/4/2023</a:t>
+              <a:t>12/5/2023</a:t>
             </a:fld>
             <a:endParaRPr lang="en-US"/>
           </a:p>
@@ -522,7 +522,7 @@
           <a:p>
             <a:fld id="{67341EB0-0461-CD43-85FB-D0CB82766506}" type="datetimeFigureOut">
               <a:rPr lang="en-US" smtClean="0"/>
-              <a:t>12/4/2023</a:t>
+              <a:t>12/5/2023</a:t>
             </a:fld>
             <a:endParaRPr lang="en-US"/>
           </a:p>
@@ -730,7 +730,7 @@
           <a:p>
             <a:fld id="{67341EB0-0461-CD43-85FB-D0CB82766506}" type="datetimeFigureOut">
               <a:rPr lang="en-US" smtClean="0"/>
-              <a:t>12/4/2023</a:t>
+              <a:t>12/5/2023</a:t>
             </a:fld>
             <a:endParaRPr lang="en-US"/>
           </a:p>
@@ -928,7 +928,7 @@
           <a:p>
             <a:fld id="{67341EB0-0461-CD43-85FB-D0CB82766506}" type="datetimeFigureOut">
               <a:rPr lang="en-US" smtClean="0"/>
-              <a:t>12/4/2023</a:t>
+              <a:t>12/5/2023</a:t>
             </a:fld>
             <a:endParaRPr lang="en-US"/>
           </a:p>
@@ -1203,7 +1203,7 @@
           <a:p>
             <a:fld id="{67341EB0-0461-CD43-85FB-D0CB82766506}" type="datetimeFigureOut">
               <a:rPr lang="en-US" smtClean="0"/>
-              <a:t>12/4/2023</a:t>
+              <a:t>12/5/2023</a:t>
             </a:fld>
             <a:endParaRPr lang="en-US"/>
           </a:p>
@@ -1468,7 +1468,7 @@
           <a:p>
             <a:fld id="{67341EB0-0461-CD43-85FB-D0CB82766506}" type="datetimeFigureOut">
               <a:rPr lang="en-US" smtClean="0"/>
-              <a:t>12/4/2023</a:t>
+              <a:t>12/5/2023</a:t>
             </a:fld>
             <a:endParaRPr lang="en-US"/>
           </a:p>
@@ -1880,7 +1880,7 @@
           <a:p>
             <a:fld id="{67341EB0-0461-CD43-85FB-D0CB82766506}" type="datetimeFigureOut">
               <a:rPr lang="en-US" smtClean="0"/>
-              <a:t>12/4/2023</a:t>
+              <a:t>12/5/2023</a:t>
             </a:fld>
             <a:endParaRPr lang="en-US"/>
           </a:p>
@@ -2021,7 +2021,7 @@
           <a:p>
             <a:fld id="{67341EB0-0461-CD43-85FB-D0CB82766506}" type="datetimeFigureOut">
               <a:rPr lang="en-US" smtClean="0"/>
-              <a:t>12/4/2023</a:t>
+              <a:t>12/5/2023</a:t>
             </a:fld>
             <a:endParaRPr lang="en-US"/>
           </a:p>
@@ -2134,7 +2134,7 @@
           <a:p>
             <a:fld id="{67341EB0-0461-CD43-85FB-D0CB82766506}" type="datetimeFigureOut">
               <a:rPr lang="en-US" smtClean="0"/>
-              <a:t>12/4/2023</a:t>
+              <a:t>12/5/2023</a:t>
             </a:fld>
             <a:endParaRPr lang="en-US"/>
           </a:p>
@@ -2445,7 +2445,7 @@
           <a:p>
             <a:fld id="{67341EB0-0461-CD43-85FB-D0CB82766506}" type="datetimeFigureOut">
               <a:rPr lang="en-US" smtClean="0"/>
-              <a:t>12/4/2023</a:t>
+              <a:t>12/5/2023</a:t>
             </a:fld>
             <a:endParaRPr lang="en-US"/>
           </a:p>
@@ -2733,7 +2733,7 @@
           <a:p>
             <a:fld id="{67341EB0-0461-CD43-85FB-D0CB82766506}" type="datetimeFigureOut">
               <a:rPr lang="en-US" smtClean="0"/>
-              <a:t>12/4/2023</a:t>
+              <a:t>12/5/2023</a:t>
             </a:fld>
             <a:endParaRPr lang="en-US"/>
           </a:p>
@@ -2974,7 +2974,7 @@
           <a:p>
             <a:fld id="{67341EB0-0461-CD43-85FB-D0CB82766506}" type="datetimeFigureOut">
               <a:rPr lang="en-US" smtClean="0"/>
-              <a:t>12/4/2023</a:t>
+              <a:t>12/5/2023</a:t>
             </a:fld>
             <a:endParaRPr lang="en-US"/>
           </a:p>
@@ -3530,7 +3530,12 @@
             <p:ph idx="1"/>
           </p:nvPr>
         </p:nvSpPr>
-        <p:spPr/>
+        <p:spPr>
+          <a:xfrm>
+            <a:off x="838200" y="1620351"/>
+            <a:ext cx="10515600" cy="4872524"/>
+          </a:xfrm>
+        </p:spPr>
         <p:txBody>
           <a:bodyPr/>
           <a:lstStyle/>
@@ -3561,7 +3566,7 @@
             </a:pPr>
             <a:r>
               <a:rPr lang="en-US" dirty="0"/>
-              <a:t>Answer:</a:t>
+              <a:t>Answer: When we run the neural net without a hidden layer, we get rather abysmal results. The high is a 0.5 and the average is 0.3 accuracy. Additionally, we see the standard deviation sit at around a .24. None of these values are particularly nice and indicate that our neural net is not able to properly learn from the data. However, this is to be expected since there aren’t any hidden layers to help us improve the accuracy of our trained neural net. As we add more layers to our neural net, we can expect all of these metrics to improve as the neural net’s capacity to learn is increased. </a:t>
             </a:r>
           </a:p>
         </p:txBody>
@@ -3612,7 +3617,12 @@
             <p:ph type="title"/>
           </p:nvPr>
         </p:nvSpPr>
-        <p:spPr/>
+        <p:spPr>
+          <a:xfrm>
+            <a:off x="838200" y="145498"/>
+            <a:ext cx="10515600" cy="1325563"/>
+          </a:xfrm>
+        </p:spPr>
         <p:txBody>
           <a:bodyPr/>
           <a:lstStyle/>
@@ -3640,9 +3650,16 @@
             <p:ph idx="1"/>
           </p:nvPr>
         </p:nvSpPr>
-        <p:spPr/>
-        <p:txBody>
-          <a:bodyPr/>
+        <p:spPr>
+          <a:xfrm>
+            <a:off x="838200" y="1228465"/>
+            <a:ext cx="10515600" cy="5274971"/>
+          </a:xfrm>
+        </p:spPr>
+        <p:txBody>
+          <a:bodyPr>
+            <a:normAutofit/>
+          </a:bodyPr>
           <a:lstStyle/>
           <a:p>
             <a:pPr marL="0" indent="0">
@@ -3671,7 +3688,23 @@
             </a:pPr>
             <a:r>
               <a:rPr lang="en-US" dirty="0"/>
-              <a:t>Answer:</a:t>
+              <a:t>Answer: When running the trained neural net with a hidden layer, we see that the statistics drastically improve. As we increase the number of </a:t>
+            </a:r>
+            <a:r>
+              <a:rPr lang="en-US" dirty="0" err="1"/>
+              <a:t>perceptrons</a:t>
+            </a:r>
+            <a:r>
+              <a:rPr lang="en-US" dirty="0"/>
+              <a:t> from 15 to 45, we can see the accuracy go from 0.5 to 0.95. Additionally, both 35 and 45 </a:t>
+            </a:r>
+            <a:r>
+              <a:rPr lang="en-US" dirty="0" err="1"/>
+              <a:t>perceptrons</a:t>
+            </a:r>
+            <a:r>
+              <a:rPr lang="en-US" dirty="0"/>
+              <a:t> have a maximum of 1.0. Lastly, we see the standard deviation drop from around 0.27 to 0.1 as we add more layers to the neural net. In this case, this is expected. Adding additional layers increases the ability for our neural net to learn from the data, which is why we see such a dramatic increase in accuracy. Since I had expected the accuracy to improve as we added more layers, I can say that these results are in line with what I had expected. </a:t>
             </a:r>
           </a:p>
           <a:p>
@@ -3728,7 +3761,12 @@
             <p:ph type="title"/>
           </p:nvPr>
         </p:nvSpPr>
-        <p:spPr/>
+        <p:spPr>
+          <a:xfrm>
+            <a:off x="838200" y="131860"/>
+            <a:ext cx="10515600" cy="1325563"/>
+          </a:xfrm>
+        </p:spPr>
         <p:txBody>
           <a:bodyPr/>
           <a:lstStyle/>
@@ -3756,9 +3794,16 @@
             <p:ph idx="1"/>
           </p:nvPr>
         </p:nvSpPr>
-        <p:spPr/>
-        <p:txBody>
-          <a:bodyPr/>
+        <p:spPr>
+          <a:xfrm>
+            <a:off x="838200" y="1253330"/>
+            <a:ext cx="10515600" cy="5147469"/>
+          </a:xfrm>
+        </p:spPr>
+        <p:txBody>
+          <a:bodyPr>
+            <a:normAutofit/>
+          </a:bodyPr>
           <a:lstStyle/>
           <a:p>
             <a:pPr marL="0" indent="0">
@@ -3772,19 +3817,53 @@
           <a:p>
             <a:r>
               <a:rPr lang="en-US" dirty="0"/>
-              <a:t>Name: ______</a:t>
-            </a:r>
+              <a:t>Name: </a:t>
+            </a:r>
+            <a:r>
+              <a:rPr lang="en-US" i="0" dirty="0">
+                <a:effectLst/>
+                <a:latin typeface="ui-sans-serif"/>
+              </a:rPr>
+              <a:t>Letter Recognition</a:t>
+            </a:r>
+            <a:endParaRPr lang="en-US" dirty="0"/>
           </a:p>
           <a:p>
             <a:r>
               <a:rPr lang="en-US" dirty="0"/>
-              <a:t>Source (e.g., URLs): ______</a:t>
-            </a:r>
-          </a:p>
-          <a:p>
+              <a:t>Source (e.g., URLs): </a:t>
+            </a:r>
+            <a:r>
+              <a:rPr lang="en-US" dirty="0">
+                <a:hlinkClick r:id="rId2"/>
+              </a:rPr>
+              <a:t>https://archive.ics.uci.edu/dataset/59/letter+recognition</a:t>
+            </a:r>
             <a:r>
               <a:rPr lang="en-US" dirty="0"/>
-              <a:t>Briefly describe the dataset: _____</a:t>
+              <a:t> </a:t>
+            </a:r>
+          </a:p>
+          <a:p>
+            <a:r>
+              <a:rPr lang="en-US" dirty="0"/>
+              <a:t>Briefly describe the dataset: This set consists of 16 primitive numerical attributes (</a:t>
+            </a:r>
+            <a:r>
+              <a:rPr lang="en-US" dirty="0" err="1"/>
+              <a:t>stastical</a:t>
+            </a:r>
+            <a:r>
+              <a:rPr lang="en-US" dirty="0"/>
+              <a:t> moments and edge counts), which were converted from 20 different fonts and all 26 letters. The set consists of a random assortment of these, </a:t>
+            </a:r>
+            <a:r>
+              <a:rPr lang="en-US" dirty="0" err="1"/>
+              <a:t>totalling</a:t>
+            </a:r>
+            <a:r>
+              <a:rPr lang="en-US" dirty="0"/>
+              <a:t> around 20,000 individual points. After scaling the elements to fit, they are then converted to the numbers you can see in the document with the actual letter on the right side. Due to the complexity of the set, getting a high accuracy proved to be rather difficult. </a:t>
             </a:r>
           </a:p>
         </p:txBody>
@@ -3879,7 +3958,7 @@
                 <a:ea typeface="+mn-lt"/>
                 <a:cs typeface="+mn-lt"/>
               </a:rPr>
-              <a:t>Max accuracy: _______</a:t>
+              <a:t>Max accuracy: 0.7725</a:t>
             </a:r>
           </a:p>
           <a:p>
@@ -3889,7 +3968,7 @@
                 <a:ea typeface="+mn-lt"/>
                 <a:cs typeface="+mn-lt"/>
               </a:rPr>
-              <a:t>Average accuracy: _______</a:t>
+              <a:t>Average accuracy: 0.74945</a:t>
             </a:r>
           </a:p>
           <a:p>
@@ -3899,7 +3978,7 @@
                 <a:ea typeface="+mn-lt"/>
                 <a:cs typeface="+mn-lt"/>
               </a:rPr>
-              <a:t>Standard deviation: ________</a:t>
+              <a:t>Standard deviation:  0.0171481777457548</a:t>
             </a:r>
             <a:endParaRPr lang="en-US" dirty="0"/>
           </a:p>
@@ -3951,7 +4030,12 @@
             <p:ph type="title"/>
           </p:nvPr>
         </p:nvSpPr>
-        <p:spPr/>
+        <p:spPr>
+          <a:xfrm>
+            <a:off x="838200" y="0"/>
+            <a:ext cx="10515600" cy="1325563"/>
+          </a:xfrm>
+        </p:spPr>
         <p:txBody>
           <a:bodyPr/>
           <a:lstStyle/>
@@ -3979,7 +4063,12 @@
             <p:ph idx="1"/>
           </p:nvPr>
         </p:nvSpPr>
-        <p:spPr/>
+        <p:spPr>
+          <a:xfrm>
+            <a:off x="838200" y="1097836"/>
+            <a:ext cx="10515600" cy="5368277"/>
+          </a:xfrm>
+        </p:spPr>
         <p:txBody>
           <a:bodyPr/>
           <a:lstStyle/>
@@ -3998,7 +4087,23 @@
             </a:pPr>
             <a:r>
               <a:rPr lang="en-US" dirty="0"/>
-              <a:t>Answer:</a:t>
+              <a:t>Answer: To run my code, all you have to do is run the q8.py file. This file currently just has the default settings, but can be changed easily to decrease or increase the number of Hidden Layers. This file makes a call to Testing.py, which is where the </a:t>
+            </a:r>
+            <a:r>
+              <a:rPr lang="en-US" dirty="0" err="1"/>
+              <a:t>testExtraData</a:t>
+            </a:r>
+            <a:r>
+              <a:rPr lang="en-US" dirty="0"/>
+              <a:t> function resides. This utilizes the function I added to </a:t>
+            </a:r>
+            <a:r>
+              <a:rPr lang="en-US" dirty="0" err="1"/>
+              <a:t>NeuralNetUtil</a:t>
+            </a:r>
+            <a:r>
+              <a:rPr lang="en-US" dirty="0"/>
+              <a:t>, which has the implementation I added to run my code. From the original data set, I created a function to randomly select lines to be a part of the test set and the rest as part of the training set. Both of these files are included in my programming submission. In short, I have provided all the files needed to run my code in my main submission with q8 as my main runner file for this extra credit question. </a:t>
             </a:r>
           </a:p>
         </p:txBody>
@@ -4109,13 +4214,8 @@
             <a:pPr lvl="1"/>
             <a:r>
               <a:rPr lang="en-US" dirty="0"/>
-              <a:t>Average accuracy</a:t>
-            </a:r>
-            <a:r>
-              <a:rPr lang="en-US"/>
-              <a:t>: 0.8999428244711263</a:t>
-            </a:r>
-            <a:endParaRPr lang="en-US" dirty="0"/>
+              <a:t>Average accuracy: 0.8999428244711263</a:t>
+            </a:r>
           </a:p>
           <a:p>
             <a:pPr lvl="1"/>
@@ -7408,6 +7508,16 @@
 </file>
 
 <file path=customXml/item1.xml><?xml version="1.0" encoding="utf-8"?>
+<p:properties xmlns:p="http://schemas.microsoft.com/office/2006/metadata/properties" xmlns:xsi="http://www.w3.org/2001/XMLSchema-instance" xmlns:pc="http://schemas.microsoft.com/office/infopath/2007/PartnerControls">
+  <documentManagement>
+    <lcf76f155ced4ddcb4097134ff3c332f xmlns="3cd04f37-61de-4efe-8deb-41caa9b443e6">
+      <Terms xmlns="http://schemas.microsoft.com/office/infopath/2007/PartnerControls"/>
+    </lcf76f155ced4ddcb4097134ff3c332f>
+  </documentManagement>
+</p:properties>
+</file>
+
+<file path=customXml/item2.xml><?xml version="1.0" encoding="utf-8"?>
 <ct:contentTypeSchema xmlns:ct="http://schemas.microsoft.com/office/2006/metadata/contentType" xmlns:ma="http://schemas.microsoft.com/office/2006/metadata/properties/metaAttributes" ct:_="" ma:_="" ma:contentTypeName="Document" ma:contentTypeID="0x0101006848A6A150DE2B4D9E39EBD463A4E71C" ma:contentTypeVersion="7" ma:contentTypeDescription="Create a new document." ma:contentTypeScope="" ma:versionID="a15653001aa0b3746dee938cebba7eea">
   <xsd:schema xmlns:xsd="http://www.w3.org/2001/XMLSchema" xmlns:xs="http://www.w3.org/2001/XMLSchema" xmlns:p="http://schemas.microsoft.com/office/2006/metadata/properties" xmlns:ns2="3cd04f37-61de-4efe-8deb-41caa9b443e6" targetNamespace="http://schemas.microsoft.com/office/2006/metadata/properties" ma:root="true" ma:fieldsID="b211b56fd2ae32ec40bcfadbf36bf3ec" ns2:_="">
     <xsd:import namespace="3cd04f37-61de-4efe-8deb-41caa9b443e6"/>
@@ -7567,16 +7677,6 @@
 </ct:contentTypeSchema>
 </file>
 
-<file path=customXml/item2.xml><?xml version="1.0" encoding="utf-8"?>
-<p:properties xmlns:p="http://schemas.microsoft.com/office/2006/metadata/properties" xmlns:xsi="http://www.w3.org/2001/XMLSchema-instance" xmlns:pc="http://schemas.microsoft.com/office/infopath/2007/PartnerControls">
-  <documentManagement>
-    <lcf76f155ced4ddcb4097134ff3c332f xmlns="3cd04f37-61de-4efe-8deb-41caa9b443e6">
-      <Terms xmlns="http://schemas.microsoft.com/office/infopath/2007/PartnerControls"/>
-    </lcf76f155ced4ddcb4097134ff3c332f>
-  </documentManagement>
-</p:properties>
-</file>
-
 <file path=customXml/item3.xml><?xml version="1.0" encoding="utf-8"?>
 <?mso-contentType ?>
 <FormTemplates xmlns="http://schemas.microsoft.com/sharepoint/v3/contenttype/forms">
@@ -7587,6 +7687,16 @@
 </file>
 
 <file path=customXml/itemProps1.xml><?xml version="1.0" encoding="utf-8"?>
+<ds:datastoreItem xmlns:ds="http://schemas.openxmlformats.org/officeDocument/2006/customXml" ds:itemID="{36D64FAB-7221-4C50-8C9C-CC74698F23CF}">
+  <ds:schemaRefs>
+    <ds:schemaRef ds:uri="http://schemas.microsoft.com/office/2006/metadata/properties"/>
+    <ds:schemaRef ds:uri="http://schemas.microsoft.com/office/infopath/2007/PartnerControls"/>
+    <ds:schemaRef ds:uri="3cd04f37-61de-4efe-8deb-41caa9b443e6"/>
+  </ds:schemaRefs>
+</ds:datastoreItem>
+</file>
+
+<file path=customXml/itemProps2.xml><?xml version="1.0" encoding="utf-8"?>
 <ds:datastoreItem xmlns:ds="http://schemas.openxmlformats.org/officeDocument/2006/customXml" ds:itemID="{2C8C551B-A7EB-4714-A850-95836CCFC40A}">
   <ds:schemaRefs>
     <ds:schemaRef ds:uri="http://schemas.microsoft.com/office/2006/metadata/contentType"/>
@@ -7604,16 +7714,6 @@
 </ds:datastoreItem>
 </file>
 
-<file path=customXml/itemProps2.xml><?xml version="1.0" encoding="utf-8"?>
-<ds:datastoreItem xmlns:ds="http://schemas.openxmlformats.org/officeDocument/2006/customXml" ds:itemID="{36D64FAB-7221-4C50-8C9C-CC74698F23CF}">
-  <ds:schemaRefs>
-    <ds:schemaRef ds:uri="http://schemas.microsoft.com/office/2006/metadata/properties"/>
-    <ds:schemaRef ds:uri="http://schemas.microsoft.com/office/infopath/2007/PartnerControls"/>
-    <ds:schemaRef ds:uri="3cd04f37-61de-4efe-8deb-41caa9b443e6"/>
-  </ds:schemaRefs>
-</ds:datastoreItem>
-</file>
-
 <file path=customXml/itemProps3.xml><?xml version="1.0" encoding="utf-8"?>
 <ds:datastoreItem xmlns:ds="http://schemas.openxmlformats.org/officeDocument/2006/customXml" ds:itemID="{E8F5940B-7EB4-4A2B-BFAE-53D59BF17B85}">
   <ds:schemaRefs>
